--- a/docs/прочее/Конференция.pptx
+++ b/docs/прочее/Конференция.pptx
@@ -7,18 +7,21 @@
   <p:sldIdLst>
     <p:sldId id="256" r:id="rId2"/>
     <p:sldId id="257" r:id="rId3"/>
-    <p:sldId id="270" r:id="rId4"/>
-    <p:sldId id="260" r:id="rId5"/>
-    <p:sldId id="261" r:id="rId6"/>
-    <p:sldId id="271" r:id="rId7"/>
+    <p:sldId id="268" r:id="rId4"/>
+    <p:sldId id="272" r:id="rId5"/>
+    <p:sldId id="260" r:id="rId6"/>
+    <p:sldId id="261" r:id="rId7"/>
     <p:sldId id="262" r:id="rId8"/>
-    <p:sldId id="263" r:id="rId9"/>
-    <p:sldId id="264" r:id="rId10"/>
-    <p:sldId id="265" r:id="rId11"/>
-    <p:sldId id="266" r:id="rId12"/>
-    <p:sldId id="268" r:id="rId13"/>
+    <p:sldId id="273" r:id="rId9"/>
+    <p:sldId id="263" r:id="rId10"/>
+    <p:sldId id="264" r:id="rId11"/>
+    <p:sldId id="265" r:id="rId12"/>
+    <p:sldId id="266" r:id="rId13"/>
     <p:sldId id="267" r:id="rId14"/>
-    <p:sldId id="269" r:id="rId15"/>
+    <p:sldId id="274" r:id="rId15"/>
+    <p:sldId id="275" r:id="rId16"/>
+    <p:sldId id="276" r:id="rId17"/>
+    <p:sldId id="269" r:id="rId18"/>
   </p:sldIdLst>
   <p:sldSz cx="12192000" cy="6858000"/>
   <p:notesSz cx="6858000" cy="9144000"/>
@@ -167,7 +170,7 @@
           </a:lstStyle>
           <a:p>
             <a:r>
-              <a:rPr lang="ru-RU" smtClean="0"/>
+              <a:rPr lang="ru-RU"/>
               <a:t>Образец заголовка</a:t>
             </a:r>
             <a:endParaRPr lang="en-US"/>
@@ -232,7 +235,7 @@
           </a:lstStyle>
           <a:p>
             <a:r>
-              <a:rPr lang="ru-RU" smtClean="0"/>
+              <a:rPr lang="ru-RU"/>
               <a:t>Образец подзаголовка</a:t>
             </a:r>
             <a:endParaRPr lang="en-US"/>
@@ -256,7 +259,7 @@
           <a:p>
             <a:fld id="{9BF844D0-B5FB-4157-83BB-A55FA8A04CE4}" type="datetimeFigureOut">
               <a:rPr lang="en-US" smtClean="0"/>
-              <a:t>3/14/2023</a:t>
+              <a:t>4/25/2023</a:t>
             </a:fld>
             <a:endParaRPr lang="en-US"/>
           </a:p>
@@ -350,7 +353,7 @@
           <a:lstStyle/>
           <a:p>
             <a:r>
-              <a:rPr lang="ru-RU" smtClean="0"/>
+              <a:rPr lang="ru-RU"/>
               <a:t>Образец заголовка</a:t>
             </a:r>
             <a:endParaRPr lang="en-US"/>
@@ -374,35 +377,35 @@
           <a:p>
             <a:pPr lvl="0"/>
             <a:r>
-              <a:rPr lang="ru-RU" smtClean="0"/>
+              <a:rPr lang="ru-RU"/>
               <a:t>Образец текста</a:t>
             </a:r>
           </a:p>
           <a:p>
             <a:pPr lvl="1"/>
             <a:r>
-              <a:rPr lang="ru-RU" smtClean="0"/>
+              <a:rPr lang="ru-RU"/>
               <a:t>Второй уровень</a:t>
             </a:r>
           </a:p>
           <a:p>
             <a:pPr lvl="2"/>
             <a:r>
-              <a:rPr lang="ru-RU" smtClean="0"/>
+              <a:rPr lang="ru-RU"/>
               <a:t>Третий уровень</a:t>
             </a:r>
           </a:p>
           <a:p>
             <a:pPr lvl="3"/>
             <a:r>
-              <a:rPr lang="ru-RU" smtClean="0"/>
+              <a:rPr lang="ru-RU"/>
               <a:t>Четвертый уровень</a:t>
             </a:r>
           </a:p>
           <a:p>
             <a:pPr lvl="4"/>
             <a:r>
-              <a:rPr lang="ru-RU" smtClean="0"/>
+              <a:rPr lang="ru-RU"/>
               <a:t>Пятый уровень</a:t>
             </a:r>
             <a:endParaRPr lang="en-US"/>
@@ -426,7 +429,7 @@
           <a:p>
             <a:fld id="{9BF844D0-B5FB-4157-83BB-A55FA8A04CE4}" type="datetimeFigureOut">
               <a:rPr lang="en-US" smtClean="0"/>
-              <a:t>3/14/2023</a:t>
+              <a:t>4/25/2023</a:t>
             </a:fld>
             <a:endParaRPr lang="en-US"/>
           </a:p>
@@ -525,7 +528,7 @@
           <a:lstStyle/>
           <a:p>
             <a:r>
-              <a:rPr lang="ru-RU" smtClean="0"/>
+              <a:rPr lang="ru-RU"/>
               <a:t>Образец заголовка</a:t>
             </a:r>
             <a:endParaRPr lang="en-US"/>
@@ -554,35 +557,35 @@
           <a:p>
             <a:pPr lvl="0"/>
             <a:r>
-              <a:rPr lang="ru-RU" smtClean="0"/>
+              <a:rPr lang="ru-RU"/>
               <a:t>Образец текста</a:t>
             </a:r>
           </a:p>
           <a:p>
             <a:pPr lvl="1"/>
             <a:r>
-              <a:rPr lang="ru-RU" smtClean="0"/>
+              <a:rPr lang="ru-RU"/>
               <a:t>Второй уровень</a:t>
             </a:r>
           </a:p>
           <a:p>
             <a:pPr lvl="2"/>
             <a:r>
-              <a:rPr lang="ru-RU" smtClean="0"/>
+              <a:rPr lang="ru-RU"/>
               <a:t>Третий уровень</a:t>
             </a:r>
           </a:p>
           <a:p>
             <a:pPr lvl="3"/>
             <a:r>
-              <a:rPr lang="ru-RU" smtClean="0"/>
+              <a:rPr lang="ru-RU"/>
               <a:t>Четвертый уровень</a:t>
             </a:r>
           </a:p>
           <a:p>
             <a:pPr lvl="4"/>
             <a:r>
-              <a:rPr lang="ru-RU" smtClean="0"/>
+              <a:rPr lang="ru-RU"/>
               <a:t>Пятый уровень</a:t>
             </a:r>
             <a:endParaRPr lang="en-US"/>
@@ -606,7 +609,7 @@
           <a:p>
             <a:fld id="{9BF844D0-B5FB-4157-83BB-A55FA8A04CE4}" type="datetimeFigureOut">
               <a:rPr lang="en-US" smtClean="0"/>
-              <a:t>3/14/2023</a:t>
+              <a:t>4/25/2023</a:t>
             </a:fld>
             <a:endParaRPr lang="en-US"/>
           </a:p>
@@ -700,7 +703,7 @@
           <a:lstStyle/>
           <a:p>
             <a:r>
-              <a:rPr lang="ru-RU" smtClean="0"/>
+              <a:rPr lang="ru-RU"/>
               <a:t>Образец заголовка</a:t>
             </a:r>
             <a:endParaRPr lang="en-US"/>
@@ -724,35 +727,35 @@
           <a:p>
             <a:pPr lvl="0"/>
             <a:r>
-              <a:rPr lang="ru-RU" smtClean="0"/>
+              <a:rPr lang="ru-RU"/>
               <a:t>Образец текста</a:t>
             </a:r>
           </a:p>
           <a:p>
             <a:pPr lvl="1"/>
             <a:r>
-              <a:rPr lang="ru-RU" smtClean="0"/>
+              <a:rPr lang="ru-RU"/>
               <a:t>Второй уровень</a:t>
             </a:r>
           </a:p>
           <a:p>
             <a:pPr lvl="2"/>
             <a:r>
-              <a:rPr lang="ru-RU" smtClean="0"/>
+              <a:rPr lang="ru-RU"/>
               <a:t>Третий уровень</a:t>
             </a:r>
           </a:p>
           <a:p>
             <a:pPr lvl="3"/>
             <a:r>
-              <a:rPr lang="ru-RU" smtClean="0"/>
+              <a:rPr lang="ru-RU"/>
               <a:t>Четвертый уровень</a:t>
             </a:r>
           </a:p>
           <a:p>
             <a:pPr lvl="4"/>
             <a:r>
-              <a:rPr lang="ru-RU" smtClean="0"/>
+              <a:rPr lang="ru-RU"/>
               <a:t>Пятый уровень</a:t>
             </a:r>
             <a:endParaRPr lang="en-US"/>
@@ -776,7 +779,7 @@
           <a:p>
             <a:fld id="{9BF844D0-B5FB-4157-83BB-A55FA8A04CE4}" type="datetimeFigureOut">
               <a:rPr lang="en-US" smtClean="0"/>
-              <a:t>3/14/2023</a:t>
+              <a:t>4/25/2023</a:t>
             </a:fld>
             <a:endParaRPr lang="en-US"/>
           </a:p>
@@ -879,7 +882,7 @@
           </a:lstStyle>
           <a:p>
             <a:r>
-              <a:rPr lang="ru-RU" smtClean="0"/>
+              <a:rPr lang="ru-RU"/>
               <a:t>Образец заголовка</a:t>
             </a:r>
             <a:endParaRPr lang="en-US"/>
@@ -999,7 +1002,7 @@
           <a:p>
             <a:pPr lvl="0"/>
             <a:r>
-              <a:rPr lang="ru-RU" smtClean="0"/>
+              <a:rPr lang="ru-RU"/>
               <a:t>Образец текста</a:t>
             </a:r>
           </a:p>
@@ -1022,7 +1025,7 @@
           <a:p>
             <a:fld id="{9BF844D0-B5FB-4157-83BB-A55FA8A04CE4}" type="datetimeFigureOut">
               <a:rPr lang="en-US" smtClean="0"/>
-              <a:t>3/14/2023</a:t>
+              <a:t>4/25/2023</a:t>
             </a:fld>
             <a:endParaRPr lang="en-US"/>
           </a:p>
@@ -1116,7 +1119,7 @@
           <a:lstStyle/>
           <a:p>
             <a:r>
-              <a:rPr lang="ru-RU" smtClean="0"/>
+              <a:rPr lang="ru-RU"/>
               <a:t>Образец заголовка</a:t>
             </a:r>
             <a:endParaRPr lang="en-US"/>
@@ -1145,35 +1148,35 @@
           <a:p>
             <a:pPr lvl="0"/>
             <a:r>
-              <a:rPr lang="ru-RU" smtClean="0"/>
+              <a:rPr lang="ru-RU"/>
               <a:t>Образец текста</a:t>
             </a:r>
           </a:p>
           <a:p>
             <a:pPr lvl="1"/>
             <a:r>
-              <a:rPr lang="ru-RU" smtClean="0"/>
+              <a:rPr lang="ru-RU"/>
               <a:t>Второй уровень</a:t>
             </a:r>
           </a:p>
           <a:p>
             <a:pPr lvl="2"/>
             <a:r>
-              <a:rPr lang="ru-RU" smtClean="0"/>
+              <a:rPr lang="ru-RU"/>
               <a:t>Третий уровень</a:t>
             </a:r>
           </a:p>
           <a:p>
             <a:pPr lvl="3"/>
             <a:r>
-              <a:rPr lang="ru-RU" smtClean="0"/>
+              <a:rPr lang="ru-RU"/>
               <a:t>Четвертый уровень</a:t>
             </a:r>
           </a:p>
           <a:p>
             <a:pPr lvl="4"/>
             <a:r>
-              <a:rPr lang="ru-RU" smtClean="0"/>
+              <a:rPr lang="ru-RU"/>
               <a:t>Пятый уровень</a:t>
             </a:r>
             <a:endParaRPr lang="en-US"/>
@@ -1202,35 +1205,35 @@
           <a:p>
             <a:pPr lvl="0"/>
             <a:r>
-              <a:rPr lang="ru-RU" smtClean="0"/>
+              <a:rPr lang="ru-RU"/>
               <a:t>Образец текста</a:t>
             </a:r>
           </a:p>
           <a:p>
             <a:pPr lvl="1"/>
             <a:r>
-              <a:rPr lang="ru-RU" smtClean="0"/>
+              <a:rPr lang="ru-RU"/>
               <a:t>Второй уровень</a:t>
             </a:r>
           </a:p>
           <a:p>
             <a:pPr lvl="2"/>
             <a:r>
-              <a:rPr lang="ru-RU" smtClean="0"/>
+              <a:rPr lang="ru-RU"/>
               <a:t>Третий уровень</a:t>
             </a:r>
           </a:p>
           <a:p>
             <a:pPr lvl="3"/>
             <a:r>
-              <a:rPr lang="ru-RU" smtClean="0"/>
+              <a:rPr lang="ru-RU"/>
               <a:t>Четвертый уровень</a:t>
             </a:r>
           </a:p>
           <a:p>
             <a:pPr lvl="4"/>
             <a:r>
-              <a:rPr lang="ru-RU" smtClean="0"/>
+              <a:rPr lang="ru-RU"/>
               <a:t>Пятый уровень</a:t>
             </a:r>
             <a:endParaRPr lang="en-US"/>
@@ -1254,7 +1257,7 @@
           <a:p>
             <a:fld id="{9BF844D0-B5FB-4157-83BB-A55FA8A04CE4}" type="datetimeFigureOut">
               <a:rPr lang="en-US" smtClean="0"/>
-              <a:t>3/14/2023</a:t>
+              <a:t>4/25/2023</a:t>
             </a:fld>
             <a:endParaRPr lang="en-US"/>
           </a:p>
@@ -1353,7 +1356,7 @@
           <a:lstStyle/>
           <a:p>
             <a:r>
-              <a:rPr lang="ru-RU" smtClean="0"/>
+              <a:rPr lang="ru-RU"/>
               <a:t>Образец заголовка</a:t>
             </a:r>
             <a:endParaRPr lang="en-US"/>
@@ -1419,7 +1422,7 @@
           <a:p>
             <a:pPr lvl="0"/>
             <a:r>
-              <a:rPr lang="ru-RU" smtClean="0"/>
+              <a:rPr lang="ru-RU"/>
               <a:t>Образец текста</a:t>
             </a:r>
           </a:p>
@@ -1447,35 +1450,35 @@
           <a:p>
             <a:pPr lvl="0"/>
             <a:r>
-              <a:rPr lang="ru-RU" smtClean="0"/>
+              <a:rPr lang="ru-RU"/>
               <a:t>Образец текста</a:t>
             </a:r>
           </a:p>
           <a:p>
             <a:pPr lvl="1"/>
             <a:r>
-              <a:rPr lang="ru-RU" smtClean="0"/>
+              <a:rPr lang="ru-RU"/>
               <a:t>Второй уровень</a:t>
             </a:r>
           </a:p>
           <a:p>
             <a:pPr lvl="2"/>
             <a:r>
-              <a:rPr lang="ru-RU" smtClean="0"/>
+              <a:rPr lang="ru-RU"/>
               <a:t>Третий уровень</a:t>
             </a:r>
           </a:p>
           <a:p>
             <a:pPr lvl="3"/>
             <a:r>
-              <a:rPr lang="ru-RU" smtClean="0"/>
+              <a:rPr lang="ru-RU"/>
               <a:t>Четвертый уровень</a:t>
             </a:r>
           </a:p>
           <a:p>
             <a:pPr lvl="4"/>
             <a:r>
-              <a:rPr lang="ru-RU" smtClean="0"/>
+              <a:rPr lang="ru-RU"/>
               <a:t>Пятый уровень</a:t>
             </a:r>
             <a:endParaRPr lang="en-US"/>
@@ -1541,7 +1544,7 @@
           <a:p>
             <a:pPr lvl="0"/>
             <a:r>
-              <a:rPr lang="ru-RU" smtClean="0"/>
+              <a:rPr lang="ru-RU"/>
               <a:t>Образец текста</a:t>
             </a:r>
           </a:p>
@@ -1569,35 +1572,35 @@
           <a:p>
             <a:pPr lvl="0"/>
             <a:r>
-              <a:rPr lang="ru-RU" smtClean="0"/>
+              <a:rPr lang="ru-RU"/>
               <a:t>Образец текста</a:t>
             </a:r>
           </a:p>
           <a:p>
             <a:pPr lvl="1"/>
             <a:r>
-              <a:rPr lang="ru-RU" smtClean="0"/>
+              <a:rPr lang="ru-RU"/>
               <a:t>Второй уровень</a:t>
             </a:r>
           </a:p>
           <a:p>
             <a:pPr lvl="2"/>
             <a:r>
-              <a:rPr lang="ru-RU" smtClean="0"/>
+              <a:rPr lang="ru-RU"/>
               <a:t>Третий уровень</a:t>
             </a:r>
           </a:p>
           <a:p>
             <a:pPr lvl="3"/>
             <a:r>
-              <a:rPr lang="ru-RU" smtClean="0"/>
+              <a:rPr lang="ru-RU"/>
               <a:t>Четвертый уровень</a:t>
             </a:r>
           </a:p>
           <a:p>
             <a:pPr lvl="4"/>
             <a:r>
-              <a:rPr lang="ru-RU" smtClean="0"/>
+              <a:rPr lang="ru-RU"/>
               <a:t>Пятый уровень</a:t>
             </a:r>
             <a:endParaRPr lang="en-US"/>
@@ -1621,7 +1624,7 @@
           <a:p>
             <a:fld id="{9BF844D0-B5FB-4157-83BB-A55FA8A04CE4}" type="datetimeFigureOut">
               <a:rPr lang="en-US" smtClean="0"/>
-              <a:t>3/14/2023</a:t>
+              <a:t>4/25/2023</a:t>
             </a:fld>
             <a:endParaRPr lang="en-US"/>
           </a:p>
@@ -1715,7 +1718,7 @@
           <a:lstStyle/>
           <a:p>
             <a:r>
-              <a:rPr lang="ru-RU" smtClean="0"/>
+              <a:rPr lang="ru-RU"/>
               <a:t>Образец заголовка</a:t>
             </a:r>
             <a:endParaRPr lang="en-US"/>
@@ -1739,7 +1742,7 @@
           <a:p>
             <a:fld id="{9BF844D0-B5FB-4157-83BB-A55FA8A04CE4}" type="datetimeFigureOut">
               <a:rPr lang="en-US" smtClean="0"/>
-              <a:t>3/14/2023</a:t>
+              <a:t>4/25/2023</a:t>
             </a:fld>
             <a:endParaRPr lang="en-US"/>
           </a:p>
@@ -1834,7 +1837,7 @@
           <a:p>
             <a:fld id="{9BF844D0-B5FB-4157-83BB-A55FA8A04CE4}" type="datetimeFigureOut">
               <a:rPr lang="en-US" smtClean="0"/>
-              <a:t>3/14/2023</a:t>
+              <a:t>4/25/2023</a:t>
             </a:fld>
             <a:endParaRPr lang="en-US"/>
           </a:p>
@@ -1937,7 +1940,7 @@
           </a:lstStyle>
           <a:p>
             <a:r>
-              <a:rPr lang="ru-RU" smtClean="0"/>
+              <a:rPr lang="ru-RU"/>
               <a:t>Образец заголовка</a:t>
             </a:r>
             <a:endParaRPr lang="en-US"/>
@@ -1994,35 +1997,35 @@
           <a:p>
             <a:pPr lvl="0"/>
             <a:r>
-              <a:rPr lang="ru-RU" smtClean="0"/>
+              <a:rPr lang="ru-RU"/>
               <a:t>Образец текста</a:t>
             </a:r>
           </a:p>
           <a:p>
             <a:pPr lvl="1"/>
             <a:r>
-              <a:rPr lang="ru-RU" smtClean="0"/>
+              <a:rPr lang="ru-RU"/>
               <a:t>Второй уровень</a:t>
             </a:r>
           </a:p>
           <a:p>
             <a:pPr lvl="2"/>
             <a:r>
-              <a:rPr lang="ru-RU" smtClean="0"/>
+              <a:rPr lang="ru-RU"/>
               <a:t>Третий уровень</a:t>
             </a:r>
           </a:p>
           <a:p>
             <a:pPr lvl="3"/>
             <a:r>
-              <a:rPr lang="ru-RU" smtClean="0"/>
+              <a:rPr lang="ru-RU"/>
               <a:t>Четвертый уровень</a:t>
             </a:r>
           </a:p>
           <a:p>
             <a:pPr lvl="4"/>
             <a:r>
-              <a:rPr lang="ru-RU" smtClean="0"/>
+              <a:rPr lang="ru-RU"/>
               <a:t>Пятый уровень</a:t>
             </a:r>
             <a:endParaRPr lang="en-US"/>
@@ -2088,7 +2091,7 @@
           <a:p>
             <a:pPr lvl="0"/>
             <a:r>
-              <a:rPr lang="ru-RU" smtClean="0"/>
+              <a:rPr lang="ru-RU"/>
               <a:t>Образец текста</a:t>
             </a:r>
           </a:p>
@@ -2111,7 +2114,7 @@
           <a:p>
             <a:fld id="{9BF844D0-B5FB-4157-83BB-A55FA8A04CE4}" type="datetimeFigureOut">
               <a:rPr lang="en-US" smtClean="0"/>
-              <a:t>3/14/2023</a:t>
+              <a:t>4/25/2023</a:t>
             </a:fld>
             <a:endParaRPr lang="en-US"/>
           </a:p>
@@ -2214,7 +2217,7 @@
           </a:lstStyle>
           <a:p>
             <a:r>
-              <a:rPr lang="ru-RU" smtClean="0"/>
+              <a:rPr lang="ru-RU"/>
               <a:t>Образец заголовка</a:t>
             </a:r>
             <a:endParaRPr lang="en-US"/>
@@ -2341,7 +2344,7 @@
           <a:p>
             <a:pPr lvl="0"/>
             <a:r>
-              <a:rPr lang="ru-RU" smtClean="0"/>
+              <a:rPr lang="ru-RU"/>
               <a:t>Образец текста</a:t>
             </a:r>
           </a:p>
@@ -2364,7 +2367,7 @@
           <a:p>
             <a:fld id="{9BF844D0-B5FB-4157-83BB-A55FA8A04CE4}" type="datetimeFigureOut">
               <a:rPr lang="en-US" smtClean="0"/>
-              <a:t>3/14/2023</a:t>
+              <a:t>4/25/2023</a:t>
             </a:fld>
             <a:endParaRPr lang="en-US"/>
           </a:p>
@@ -2473,7 +2476,7 @@
           <a:lstStyle/>
           <a:p>
             <a:r>
-              <a:rPr lang="ru-RU" smtClean="0"/>
+              <a:rPr lang="ru-RU"/>
               <a:t>Образец заголовка</a:t>
             </a:r>
             <a:endParaRPr lang="en-US"/>
@@ -2507,35 +2510,35 @@
           <a:p>
             <a:pPr lvl="0"/>
             <a:r>
-              <a:rPr lang="ru-RU" smtClean="0"/>
+              <a:rPr lang="ru-RU"/>
               <a:t>Образец текста</a:t>
             </a:r>
           </a:p>
           <a:p>
             <a:pPr lvl="1"/>
             <a:r>
-              <a:rPr lang="ru-RU" smtClean="0"/>
+              <a:rPr lang="ru-RU"/>
               <a:t>Второй уровень</a:t>
             </a:r>
           </a:p>
           <a:p>
             <a:pPr lvl="2"/>
             <a:r>
-              <a:rPr lang="ru-RU" smtClean="0"/>
+              <a:rPr lang="ru-RU"/>
               <a:t>Третий уровень</a:t>
             </a:r>
           </a:p>
           <a:p>
             <a:pPr lvl="3"/>
             <a:r>
-              <a:rPr lang="ru-RU" smtClean="0"/>
+              <a:rPr lang="ru-RU"/>
               <a:t>Четвертый уровень</a:t>
             </a:r>
           </a:p>
           <a:p>
             <a:pPr lvl="4"/>
             <a:r>
-              <a:rPr lang="ru-RU" smtClean="0"/>
+              <a:rPr lang="ru-RU"/>
               <a:t>Пятый уровень</a:t>
             </a:r>
             <a:endParaRPr lang="en-US"/>
@@ -2577,7 +2580,7 @@
           <a:p>
             <a:fld id="{9BF844D0-B5FB-4157-83BB-A55FA8A04CE4}" type="datetimeFigureOut">
               <a:rPr lang="en-US" smtClean="0"/>
-              <a:t>3/14/2023</a:t>
+              <a:t>4/25/2023</a:t>
             </a:fld>
             <a:endParaRPr lang="en-US"/>
           </a:p>
@@ -3005,7 +3008,7 @@
           <a:lstStyle/>
           <a:p>
             <a:r>
-              <a:rPr lang="ru-RU" dirty="0" smtClean="0"/>
+              <a:rPr lang="ru-RU" dirty="0"/>
               <a:t>Программный комплекс автоматизации обслуживания жилого фонда студенческого общежития</a:t>
             </a:r>
             <a:endParaRPr lang="en-US" dirty="0"/>
@@ -3033,13 +3036,13 @@
           <a:lstStyle/>
           <a:p>
             <a:r>
-              <a:rPr lang="ru-RU" dirty="0" smtClean="0"/>
+              <a:rPr lang="ru-RU" dirty="0"/>
               <a:t>Студент группы ИП-42</a:t>
             </a:r>
           </a:p>
           <a:p>
             <a:r>
-              <a:rPr lang="ru-RU" dirty="0" smtClean="0"/>
+              <a:rPr lang="ru-RU" dirty="0"/>
               <a:t>Пархоменко Павел</a:t>
             </a:r>
             <a:endParaRPr lang="en-US" dirty="0"/>
@@ -3069,17 +3072,17 @@
           <a:lstStyle/>
           <a:p>
             <a:r>
-              <a:rPr lang="ru-RU" sz="2400" dirty="0" smtClean="0"/>
+              <a:rPr lang="ru-RU" sz="2400" dirty="0"/>
               <a:t>Руководитель</a:t>
             </a:r>
           </a:p>
           <a:p>
             <a:r>
-              <a:rPr lang="ru-RU" sz="2400" dirty="0" err="1" smtClean="0"/>
+              <a:rPr lang="ru-RU" sz="2400" dirty="0" err="1"/>
               <a:t>Шибеко</a:t>
             </a:r>
             <a:r>
-              <a:rPr lang="ru-RU" sz="2400" dirty="0" smtClean="0"/>
+              <a:rPr lang="ru-RU" sz="2400" dirty="0"/>
               <a:t> В.Н.</a:t>
             </a:r>
             <a:endParaRPr lang="en-US" sz="2400" dirty="0"/>
@@ -3096,13 +3099,6 @@
   <p:clrMapOvr>
     <a:masterClrMapping/>
   </p:clrMapOvr>
-  <p:timing>
-    <p:tnLst>
-      <p:par>
-        <p:cTn id="1" dur="indefinite" restart="never" nodeType="tmRoot"/>
-      </p:par>
-    </p:tnLst>
-  </p:timing>
 </p:sld>
 </file>
 
@@ -3157,14 +3153,104 @@
                 <a:latin typeface="Times New Roman" panose="02020603050405020304" pitchFamily="18" charset="0"/>
                 <a:cs typeface="Times New Roman" panose="02020603050405020304" pitchFamily="18" charset="0"/>
               </a:rPr>
-              <a:t>для роли </a:t>
-            </a:r>
-            <a:r>
-              <a:rPr lang="ru-RU" dirty="0" smtClean="0">
+              <a:t>для роли «Воспитатель»</a:t>
+            </a:r>
+            <a:endParaRPr lang="en-US" dirty="0">
+              <a:latin typeface="Times New Roman" panose="02020603050405020304" pitchFamily="18" charset="0"/>
+              <a:cs typeface="Times New Roman" panose="02020603050405020304" pitchFamily="18" charset="0"/>
+            </a:endParaRPr>
+          </a:p>
+        </p:txBody>
+      </p:sp>
+      <p:pic>
+        <p:nvPicPr>
+          <p:cNvPr id="4" name="Рисунок 3"/>
+          <p:cNvPicPr>
+            <a:picLocks noChangeAspect="1"/>
+          </p:cNvPicPr>
+          <p:nvPr/>
+        </p:nvPicPr>
+        <p:blipFill>
+          <a:blip r:embed="rId2"/>
+          <a:stretch>
+            <a:fillRect/>
+          </a:stretch>
+        </p:blipFill>
+        <p:spPr>
+          <a:xfrm>
+            <a:off x="2169902" y="1514202"/>
+            <a:ext cx="7311049" cy="4962798"/>
+          </a:xfrm>
+          <a:prstGeom prst="rect">
+            <a:avLst/>
+          </a:prstGeom>
+        </p:spPr>
+      </p:pic>
+    </p:spTree>
+    <p:extLst>
+      <p:ext uri="{BB962C8B-B14F-4D97-AF65-F5344CB8AC3E}">
+        <p14:creationId xmlns:p14="http://schemas.microsoft.com/office/powerpoint/2010/main" val="700771984"/>
+      </p:ext>
+    </p:extLst>
+  </p:cSld>
+  <p:clrMapOvr>
+    <a:masterClrMapping/>
+  </p:clrMapOvr>
+</p:sld>
+</file>
+
+<file path=ppt/slides/slide11.xml><?xml version="1.0" encoding="utf-8"?>
+<p:sld xmlns:a="http://schemas.openxmlformats.org/drawingml/2006/main" xmlns:r="http://schemas.openxmlformats.org/officeDocument/2006/relationships" xmlns:p="http://schemas.openxmlformats.org/presentationml/2006/main">
+  <p:cSld>
+    <p:spTree>
+      <p:nvGrpSpPr>
+        <p:cNvPr id="1" name=""/>
+        <p:cNvGrpSpPr/>
+        <p:nvPr/>
+      </p:nvGrpSpPr>
+      <p:grpSpPr>
+        <a:xfrm>
+          <a:off x="0" y="0"/>
+          <a:ext cx="0" cy="0"/>
+          <a:chOff x="0" y="0"/>
+          <a:chExt cx="0" cy="0"/>
+        </a:xfrm>
+      </p:grpSpPr>
+      <p:sp>
+        <p:nvSpPr>
+          <p:cNvPr id="2" name="Заголовок 1"/>
+          <p:cNvSpPr>
+            <a:spLocks noGrp="1"/>
+          </p:cNvSpPr>
+          <p:nvPr>
+            <p:ph type="title"/>
+          </p:nvPr>
+        </p:nvSpPr>
+        <p:spPr/>
+        <p:txBody>
+          <a:bodyPr/>
+          <a:lstStyle/>
+          <a:p>
+            <a:r>
+              <a:rPr lang="ru-RU" dirty="0">
                 <a:latin typeface="Times New Roman" panose="02020603050405020304" pitchFamily="18" charset="0"/>
                 <a:cs typeface="Times New Roman" panose="02020603050405020304" pitchFamily="18" charset="0"/>
               </a:rPr>
-              <a:t>«Комендант»</a:t>
+              <a:t>Прецеденты</a:t>
+            </a:r>
+            <a:r>
+              <a:rPr lang="en-US" dirty="0">
+                <a:latin typeface="Times New Roman" panose="02020603050405020304" pitchFamily="18" charset="0"/>
+                <a:cs typeface="Times New Roman" panose="02020603050405020304" pitchFamily="18" charset="0"/>
+              </a:rPr>
+              <a:t> </a:t>
+            </a:r>
+            <a:r>
+              <a:rPr lang="ru-RU" dirty="0">
+                <a:latin typeface="Times New Roman" panose="02020603050405020304" pitchFamily="18" charset="0"/>
+                <a:cs typeface="Times New Roman" panose="02020603050405020304" pitchFamily="18" charset="0"/>
+              </a:rPr>
+              <a:t>для роли «Комендант»</a:t>
             </a:r>
             <a:endParaRPr lang="en-US" dirty="0">
               <a:latin typeface="Times New Roman" panose="02020603050405020304" pitchFamily="18" charset="0"/>
@@ -3207,74 +3293,6 @@
   <p:clrMapOvr>
     <a:masterClrMapping/>
   </p:clrMapOvr>
-  <p:timing>
-    <p:tnLst>
-      <p:par>
-        <p:cTn id="1" dur="indefinite" restart="never" nodeType="tmRoot"/>
-      </p:par>
-    </p:tnLst>
-  </p:timing>
-</p:sld>
-</file>
-
-<file path=ppt/slides/slide11.xml><?xml version="1.0" encoding="utf-8"?>
-<p:sld xmlns:a="http://schemas.openxmlformats.org/drawingml/2006/main" xmlns:r="http://schemas.openxmlformats.org/officeDocument/2006/relationships" xmlns:p="http://schemas.openxmlformats.org/presentationml/2006/main">
-  <p:cSld>
-    <p:spTree>
-      <p:nvGrpSpPr>
-        <p:cNvPr id="1" name=""/>
-        <p:cNvGrpSpPr/>
-        <p:nvPr/>
-      </p:nvGrpSpPr>
-      <p:grpSpPr>
-        <a:xfrm>
-          <a:off x="0" y="0"/>
-          <a:ext cx="0" cy="0"/>
-          <a:chOff x="0" y="0"/>
-          <a:chExt cx="0" cy="0"/>
-        </a:xfrm>
-      </p:grpSpPr>
-      <p:pic>
-        <p:nvPicPr>
-          <p:cNvPr id="5" name="Рисунок 4"/>
-          <p:cNvPicPr>
-            <a:picLocks noChangeAspect="1"/>
-          </p:cNvPicPr>
-          <p:nvPr/>
-        </p:nvPicPr>
-        <p:blipFill>
-          <a:blip r:embed="rId2"/>
-          <a:stretch>
-            <a:fillRect/>
-          </a:stretch>
-        </p:blipFill>
-        <p:spPr>
-          <a:xfrm>
-            <a:off x="2133600" y="400483"/>
-            <a:ext cx="7340599" cy="6350996"/>
-          </a:xfrm>
-          <a:prstGeom prst="rect">
-            <a:avLst/>
-          </a:prstGeom>
-        </p:spPr>
-      </p:pic>
-    </p:spTree>
-    <p:extLst>
-      <p:ext uri="{BB962C8B-B14F-4D97-AF65-F5344CB8AC3E}">
-        <p14:creationId xmlns:p14="http://schemas.microsoft.com/office/powerpoint/2010/main" val="841573104"/>
-      </p:ext>
-    </p:extLst>
-  </p:cSld>
-  <p:clrMapOvr>
-    <a:masterClrMapping/>
-  </p:clrMapOvr>
-  <p:timing>
-    <p:tnLst>
-      <p:par>
-        <p:cTn id="1" dur="indefinite" restart="never" nodeType="tmRoot"/>
-      </p:par>
-    </p:tnLst>
-  </p:timing>
 </p:sld>
 </file>
 
@@ -3295,6 +3313,75 @@
           <a:chExt cx="0" cy="0"/>
         </a:xfrm>
       </p:grpSpPr>
+      <p:pic>
+        <p:nvPicPr>
+          <p:cNvPr id="3" name="Рисунок 2">
+            <a:extLst>
+              <a:ext uri="{FF2B5EF4-FFF2-40B4-BE49-F238E27FC236}">
+                <a16:creationId xmlns:a16="http://schemas.microsoft.com/office/drawing/2014/main" id="{FA8255B7-389C-4CB3-9A17-C07A44581C12}"/>
+              </a:ext>
+            </a:extLst>
+          </p:cNvPr>
+          <p:cNvPicPr/>
+          <p:nvPr/>
+        </p:nvPicPr>
+        <p:blipFill>
+          <a:blip r:embed="rId2">
+            <a:extLst>
+              <a:ext uri="{28A0092B-C50C-407E-A947-70E740481C1C}">
+                <a14:useLocalDpi xmlns:a14="http://schemas.microsoft.com/office/drawing/2010/main" val="0"/>
+              </a:ext>
+            </a:extLst>
+          </a:blip>
+          <a:srcRect/>
+          <a:stretch>
+            <a:fillRect/>
+          </a:stretch>
+        </p:blipFill>
+        <p:spPr bwMode="auto">
+          <a:xfrm>
+            <a:off x="2847703" y="195943"/>
+            <a:ext cx="6583679" cy="6570617"/>
+          </a:xfrm>
+          <a:prstGeom prst="rect">
+            <a:avLst/>
+          </a:prstGeom>
+          <a:noFill/>
+          <a:ln>
+            <a:noFill/>
+          </a:ln>
+        </p:spPr>
+      </p:pic>
+    </p:spTree>
+    <p:extLst>
+      <p:ext uri="{BB962C8B-B14F-4D97-AF65-F5344CB8AC3E}">
+        <p14:creationId xmlns:p14="http://schemas.microsoft.com/office/powerpoint/2010/main" val="841573104"/>
+      </p:ext>
+    </p:extLst>
+  </p:cSld>
+  <p:clrMapOvr>
+    <a:masterClrMapping/>
+  </p:clrMapOvr>
+</p:sld>
+</file>
+
+<file path=ppt/slides/slide13.xml><?xml version="1.0" encoding="utf-8"?>
+<p:sld xmlns:a="http://schemas.openxmlformats.org/drawingml/2006/main" xmlns:r="http://schemas.openxmlformats.org/officeDocument/2006/relationships" xmlns:p="http://schemas.openxmlformats.org/presentationml/2006/main">
+  <p:cSld>
+    <p:spTree>
+      <p:nvGrpSpPr>
+        <p:cNvPr id="1" name=""/>
+        <p:cNvGrpSpPr/>
+        <p:nvPr/>
+      </p:nvGrpSpPr>
+      <p:grpSpPr>
+        <a:xfrm>
+          <a:off x="0" y="0"/>
+          <a:ext cx="0" cy="0"/>
+          <a:chOff x="0" y="0"/>
+          <a:chExt cx="0" cy="0"/>
+        </a:xfrm>
+      </p:grpSpPr>
       <p:sp>
         <p:nvSpPr>
           <p:cNvPr id="2" name="Заголовок 1"/>
@@ -3311,7 +3398,1040 @@
           <a:lstStyle/>
           <a:p>
             <a:r>
-              <a:rPr lang="ru-RU" dirty="0" smtClean="0">
+              <a:rPr lang="ru-RU" dirty="0">
+                <a:latin typeface="Times New Roman" panose="02020603050405020304" pitchFamily="18" charset="0"/>
+                <a:cs typeface="Times New Roman" panose="02020603050405020304" pitchFamily="18" charset="0"/>
+              </a:rPr>
+              <a:t>Реализация</a:t>
+            </a:r>
+            <a:endParaRPr lang="en-US" dirty="0">
+              <a:latin typeface="Times New Roman" panose="02020603050405020304" pitchFamily="18" charset="0"/>
+              <a:cs typeface="Times New Roman" panose="02020603050405020304" pitchFamily="18" charset="0"/>
+            </a:endParaRPr>
+          </a:p>
+        </p:txBody>
+      </p:sp>
+      <p:pic>
+        <p:nvPicPr>
+          <p:cNvPr id="7" name="Рисунок 6">
+            <a:extLst>
+              <a:ext uri="{FF2B5EF4-FFF2-40B4-BE49-F238E27FC236}">
+                <a16:creationId xmlns:a16="http://schemas.microsoft.com/office/drawing/2014/main" id="{266AF839-6382-44A3-B73E-FAE3861F71C7}"/>
+              </a:ext>
+            </a:extLst>
+          </p:cNvPr>
+          <p:cNvPicPr>
+            <a:picLocks noChangeAspect="1"/>
+          </p:cNvPicPr>
+          <p:nvPr/>
+        </p:nvPicPr>
+        <p:blipFill>
+          <a:blip r:embed="rId2"/>
+          <a:stretch>
+            <a:fillRect/>
+          </a:stretch>
+        </p:blipFill>
+        <p:spPr>
+          <a:xfrm>
+            <a:off x="739769" y="1952641"/>
+            <a:ext cx="4883403" cy="4252216"/>
+          </a:xfrm>
+          <a:prstGeom prst="rect">
+            <a:avLst/>
+          </a:prstGeom>
+        </p:spPr>
+      </p:pic>
+      <p:pic>
+        <p:nvPicPr>
+          <p:cNvPr id="9" name="Рисунок 8">
+            <a:extLst>
+              <a:ext uri="{FF2B5EF4-FFF2-40B4-BE49-F238E27FC236}">
+                <a16:creationId xmlns:a16="http://schemas.microsoft.com/office/drawing/2014/main" id="{91E29002-572A-4860-B4F8-A8CE581EBE94}"/>
+              </a:ext>
+            </a:extLst>
+          </p:cNvPr>
+          <p:cNvPicPr>
+            <a:picLocks noChangeAspect="1"/>
+          </p:cNvPicPr>
+          <p:nvPr/>
+        </p:nvPicPr>
+        <p:blipFill>
+          <a:blip r:embed="rId3"/>
+          <a:stretch>
+            <a:fillRect/>
+          </a:stretch>
+        </p:blipFill>
+        <p:spPr>
+          <a:xfrm>
+            <a:off x="6215047" y="1851524"/>
+            <a:ext cx="4883403" cy="4353333"/>
+          </a:xfrm>
+          <a:prstGeom prst="rect">
+            <a:avLst/>
+          </a:prstGeom>
+        </p:spPr>
+      </p:pic>
+    </p:spTree>
+    <p:extLst>
+      <p:ext uri="{BB962C8B-B14F-4D97-AF65-F5344CB8AC3E}">
+        <p14:creationId xmlns:p14="http://schemas.microsoft.com/office/powerpoint/2010/main" val="4233794581"/>
+      </p:ext>
+    </p:extLst>
+  </p:cSld>
+  <p:clrMapOvr>
+    <a:masterClrMapping/>
+  </p:clrMapOvr>
+</p:sld>
+</file>
+
+<file path=ppt/slides/slide14.xml><?xml version="1.0" encoding="utf-8"?>
+<p:sld xmlns:a="http://schemas.openxmlformats.org/drawingml/2006/main" xmlns:r="http://schemas.openxmlformats.org/officeDocument/2006/relationships" xmlns:p="http://schemas.openxmlformats.org/presentationml/2006/main">
+  <p:cSld>
+    <p:spTree>
+      <p:nvGrpSpPr>
+        <p:cNvPr id="1" name=""/>
+        <p:cNvGrpSpPr/>
+        <p:nvPr/>
+      </p:nvGrpSpPr>
+      <p:grpSpPr>
+        <a:xfrm>
+          <a:off x="0" y="0"/>
+          <a:ext cx="0" cy="0"/>
+          <a:chOff x="0" y="0"/>
+          <a:chExt cx="0" cy="0"/>
+        </a:xfrm>
+      </p:grpSpPr>
+      <p:pic>
+        <p:nvPicPr>
+          <p:cNvPr id="11" name="Рисунок 10">
+            <a:extLst>
+              <a:ext uri="{FF2B5EF4-FFF2-40B4-BE49-F238E27FC236}">
+                <a16:creationId xmlns:a16="http://schemas.microsoft.com/office/drawing/2014/main" id="{7019D7CF-EB7E-4BDC-A813-45A0250C4603}"/>
+              </a:ext>
+            </a:extLst>
+          </p:cNvPr>
+          <p:cNvPicPr>
+            <a:picLocks noChangeAspect="1"/>
+          </p:cNvPicPr>
+          <p:nvPr/>
+        </p:nvPicPr>
+        <p:blipFill>
+          <a:blip r:embed="rId2"/>
+          <a:stretch>
+            <a:fillRect/>
+          </a:stretch>
+        </p:blipFill>
+        <p:spPr>
+          <a:xfrm>
+            <a:off x="7175432" y="1750423"/>
+            <a:ext cx="4850952" cy="3786989"/>
+          </a:xfrm>
+          <a:prstGeom prst="rect">
+            <a:avLst/>
+          </a:prstGeom>
+        </p:spPr>
+      </p:pic>
+      <p:sp>
+        <p:nvSpPr>
+          <p:cNvPr id="12" name="TextBox 11">
+            <a:extLst>
+              <a:ext uri="{FF2B5EF4-FFF2-40B4-BE49-F238E27FC236}">
+                <a16:creationId xmlns:a16="http://schemas.microsoft.com/office/drawing/2014/main" id="{31F709F7-8D1F-48F2-BC3C-89F5FFCED640}"/>
+              </a:ext>
+            </a:extLst>
+          </p:cNvPr>
+          <p:cNvSpPr txBox="1"/>
+          <p:nvPr/>
+        </p:nvSpPr>
+        <p:spPr>
+          <a:xfrm>
+            <a:off x="1463040" y="718457"/>
+            <a:ext cx="3059171" cy="369332"/>
+          </a:xfrm>
+          <a:prstGeom prst="rect">
+            <a:avLst/>
+          </a:prstGeom>
+          <a:noFill/>
+        </p:spPr>
+        <p:txBody>
+          <a:bodyPr wrap="none" rtlCol="0">
+            <a:spAutoFit/>
+          </a:bodyPr>
+          <a:lstStyle/>
+          <a:p>
+            <a:r>
+              <a:rPr lang="ru-RU" dirty="0"/>
+              <a:t>Личный кабинет воспитателя</a:t>
+            </a:r>
+            <a:endParaRPr lang="ru-BY" dirty="0"/>
+          </a:p>
+        </p:txBody>
+      </p:sp>
+      <p:sp>
+        <p:nvSpPr>
+          <p:cNvPr id="13" name="TextBox 12">
+            <a:extLst>
+              <a:ext uri="{FF2B5EF4-FFF2-40B4-BE49-F238E27FC236}">
+                <a16:creationId xmlns:a16="http://schemas.microsoft.com/office/drawing/2014/main" id="{B451E17A-D0E1-44E3-B907-92918AC6686F}"/>
+              </a:ext>
+            </a:extLst>
+          </p:cNvPr>
+          <p:cNvSpPr txBox="1"/>
+          <p:nvPr/>
+        </p:nvSpPr>
+        <p:spPr>
+          <a:xfrm>
+            <a:off x="7915590" y="1302178"/>
+            <a:ext cx="1971694" cy="369332"/>
+          </a:xfrm>
+          <a:prstGeom prst="rect">
+            <a:avLst/>
+          </a:prstGeom>
+          <a:noFill/>
+        </p:spPr>
+        <p:txBody>
+          <a:bodyPr wrap="none" rtlCol="0">
+            <a:spAutoFit/>
+          </a:bodyPr>
+          <a:lstStyle/>
+          <a:p>
+            <a:r>
+              <a:rPr lang="ru-RU" dirty="0"/>
+              <a:t>Создание новости</a:t>
+            </a:r>
+            <a:endParaRPr lang="ru-BY" dirty="0"/>
+          </a:p>
+        </p:txBody>
+      </p:sp>
+      <p:pic>
+        <p:nvPicPr>
+          <p:cNvPr id="15" name="Рисунок 14">
+            <a:extLst>
+              <a:ext uri="{FF2B5EF4-FFF2-40B4-BE49-F238E27FC236}">
+                <a16:creationId xmlns:a16="http://schemas.microsoft.com/office/drawing/2014/main" id="{BE1A6124-7C01-4642-85A3-1EDA1AB8C9AA}"/>
+              </a:ext>
+            </a:extLst>
+          </p:cNvPr>
+          <p:cNvPicPr>
+            <a:picLocks noChangeAspect="1"/>
+          </p:cNvPicPr>
+          <p:nvPr/>
+        </p:nvPicPr>
+        <p:blipFill>
+          <a:blip r:embed="rId3"/>
+          <a:stretch>
+            <a:fillRect/>
+          </a:stretch>
+        </p:blipFill>
+        <p:spPr>
+          <a:xfrm>
+            <a:off x="332726" y="1302178"/>
+            <a:ext cx="6830942" cy="3648344"/>
+          </a:xfrm>
+          <a:prstGeom prst="rect">
+            <a:avLst/>
+          </a:prstGeom>
+        </p:spPr>
+      </p:pic>
+    </p:spTree>
+    <p:extLst>
+      <p:ext uri="{BB962C8B-B14F-4D97-AF65-F5344CB8AC3E}">
+        <p14:creationId xmlns:p14="http://schemas.microsoft.com/office/powerpoint/2010/main" val="2186666493"/>
+      </p:ext>
+    </p:extLst>
+  </p:cSld>
+  <p:clrMapOvr>
+    <a:masterClrMapping/>
+  </p:clrMapOvr>
+</p:sld>
+</file>
+
+<file path=ppt/slides/slide15.xml><?xml version="1.0" encoding="utf-8"?>
+<p:sld xmlns:a="http://schemas.openxmlformats.org/drawingml/2006/main" xmlns:r="http://schemas.openxmlformats.org/officeDocument/2006/relationships" xmlns:p="http://schemas.openxmlformats.org/presentationml/2006/main">
+  <p:cSld>
+    <p:spTree>
+      <p:nvGrpSpPr>
+        <p:cNvPr id="1" name=""/>
+        <p:cNvGrpSpPr/>
+        <p:nvPr/>
+      </p:nvGrpSpPr>
+      <p:grpSpPr>
+        <a:xfrm>
+          <a:off x="0" y="0"/>
+          <a:ext cx="0" cy="0"/>
+          <a:chOff x="0" y="0"/>
+          <a:chExt cx="0" cy="0"/>
+        </a:xfrm>
+      </p:grpSpPr>
+      <p:pic>
+        <p:nvPicPr>
+          <p:cNvPr id="11" name="Рисунок 10">
+            <a:extLst>
+              <a:ext uri="{FF2B5EF4-FFF2-40B4-BE49-F238E27FC236}">
+                <a16:creationId xmlns:a16="http://schemas.microsoft.com/office/drawing/2014/main" id="{99432A7E-AC10-421A-8459-2176C9D1BA17}"/>
+              </a:ext>
+            </a:extLst>
+          </p:cNvPr>
+          <p:cNvPicPr>
+            <a:picLocks noChangeAspect="1"/>
+          </p:cNvPicPr>
+          <p:nvPr/>
+        </p:nvPicPr>
+        <p:blipFill>
+          <a:blip r:embed="rId2"/>
+          <a:stretch>
+            <a:fillRect/>
+          </a:stretch>
+        </p:blipFill>
+        <p:spPr>
+          <a:xfrm>
+            <a:off x="239140" y="395912"/>
+            <a:ext cx="5594270" cy="4598875"/>
+          </a:xfrm>
+          <a:prstGeom prst="rect">
+            <a:avLst/>
+          </a:prstGeom>
+        </p:spPr>
+      </p:pic>
+      <p:pic>
+        <p:nvPicPr>
+          <p:cNvPr id="15" name="Рисунок 14">
+            <a:extLst>
+              <a:ext uri="{FF2B5EF4-FFF2-40B4-BE49-F238E27FC236}">
+                <a16:creationId xmlns:a16="http://schemas.microsoft.com/office/drawing/2014/main" id="{7DE9644B-FF13-4498-ADBA-3D8B328AE58D}"/>
+              </a:ext>
+            </a:extLst>
+          </p:cNvPr>
+          <p:cNvPicPr>
+            <a:picLocks noChangeAspect="1"/>
+          </p:cNvPicPr>
+          <p:nvPr/>
+        </p:nvPicPr>
+        <p:blipFill>
+          <a:blip r:embed="rId3"/>
+          <a:stretch>
+            <a:fillRect/>
+          </a:stretch>
+        </p:blipFill>
+        <p:spPr>
+          <a:xfrm>
+            <a:off x="5996416" y="395458"/>
+            <a:ext cx="6101607" cy="3779196"/>
+          </a:xfrm>
+          <a:prstGeom prst="rect">
+            <a:avLst/>
+          </a:prstGeom>
+        </p:spPr>
+      </p:pic>
+      <p:sp>
+        <p:nvSpPr>
+          <p:cNvPr id="17" name="TextBox 16">
+            <a:extLst>
+              <a:ext uri="{FF2B5EF4-FFF2-40B4-BE49-F238E27FC236}">
+                <a16:creationId xmlns:a16="http://schemas.microsoft.com/office/drawing/2014/main" id="{1B5DEA6E-F1D0-41EE-988D-6548F89D0B05}"/>
+              </a:ext>
+            </a:extLst>
+          </p:cNvPr>
+          <p:cNvSpPr txBox="1"/>
+          <p:nvPr/>
+        </p:nvSpPr>
+        <p:spPr>
+          <a:xfrm>
+            <a:off x="239140" y="26126"/>
+            <a:ext cx="1805815" cy="369332"/>
+          </a:xfrm>
+          <a:prstGeom prst="rect">
+            <a:avLst/>
+          </a:prstGeom>
+          <a:noFill/>
+        </p:spPr>
+        <p:txBody>
+          <a:bodyPr wrap="none" rtlCol="0">
+            <a:spAutoFit/>
+          </a:bodyPr>
+          <a:lstStyle/>
+          <a:p>
+            <a:r>
+              <a:rPr lang="ru-RU" dirty="0"/>
+              <a:t>Личный кабинет</a:t>
+            </a:r>
+            <a:endParaRPr lang="ru-BY" dirty="0"/>
+          </a:p>
+        </p:txBody>
+      </p:sp>
+      <p:sp>
+        <p:nvSpPr>
+          <p:cNvPr id="18" name="TextBox 17">
+            <a:extLst>
+              <a:ext uri="{FF2B5EF4-FFF2-40B4-BE49-F238E27FC236}">
+                <a16:creationId xmlns:a16="http://schemas.microsoft.com/office/drawing/2014/main" id="{8F464FAF-2421-4D29-8A45-23FE0B5A5E69}"/>
+              </a:ext>
+            </a:extLst>
+          </p:cNvPr>
+          <p:cNvSpPr txBox="1"/>
+          <p:nvPr/>
+        </p:nvSpPr>
+        <p:spPr>
+          <a:xfrm>
+            <a:off x="6096000" y="52251"/>
+            <a:ext cx="2282933" cy="369332"/>
+          </a:xfrm>
+          <a:prstGeom prst="rect">
+            <a:avLst/>
+          </a:prstGeom>
+          <a:noFill/>
+        </p:spPr>
+        <p:txBody>
+          <a:bodyPr wrap="none" rtlCol="0">
+            <a:spAutoFit/>
+          </a:bodyPr>
+          <a:lstStyle/>
+          <a:p>
+            <a:r>
+              <a:rPr lang="ru-RU" dirty="0"/>
+              <a:t>Просмотр замечаний</a:t>
+            </a:r>
+            <a:endParaRPr lang="ru-BY" dirty="0"/>
+          </a:p>
+        </p:txBody>
+      </p:sp>
+    </p:spTree>
+    <p:extLst>
+      <p:ext uri="{BB962C8B-B14F-4D97-AF65-F5344CB8AC3E}">
+        <p14:creationId xmlns:p14="http://schemas.microsoft.com/office/powerpoint/2010/main" val="3083212893"/>
+      </p:ext>
+    </p:extLst>
+  </p:cSld>
+  <p:clrMapOvr>
+    <a:masterClrMapping/>
+  </p:clrMapOvr>
+</p:sld>
+</file>
+
+<file path=ppt/slides/slide16.xml><?xml version="1.0" encoding="utf-8"?>
+<p:sld xmlns:a="http://schemas.openxmlformats.org/drawingml/2006/main" xmlns:r="http://schemas.openxmlformats.org/officeDocument/2006/relationships" xmlns:p="http://schemas.openxmlformats.org/presentationml/2006/main">
+  <p:cSld>
+    <p:spTree>
+      <p:nvGrpSpPr>
+        <p:cNvPr id="1" name=""/>
+        <p:cNvGrpSpPr/>
+        <p:nvPr/>
+      </p:nvGrpSpPr>
+      <p:grpSpPr>
+        <a:xfrm>
+          <a:off x="0" y="0"/>
+          <a:ext cx="0" cy="0"/>
+          <a:chOff x="0" y="0"/>
+          <a:chExt cx="0" cy="0"/>
+        </a:xfrm>
+      </p:grpSpPr>
+      <p:pic>
+        <p:nvPicPr>
+          <p:cNvPr id="4" name="Рисунок 3">
+            <a:extLst>
+              <a:ext uri="{FF2B5EF4-FFF2-40B4-BE49-F238E27FC236}">
+                <a16:creationId xmlns:a16="http://schemas.microsoft.com/office/drawing/2014/main" id="{3292D268-5112-4BFE-8131-F6903EF504F5}"/>
+              </a:ext>
+            </a:extLst>
+          </p:cNvPr>
+          <p:cNvPicPr>
+            <a:picLocks noChangeAspect="1"/>
+          </p:cNvPicPr>
+          <p:nvPr/>
+        </p:nvPicPr>
+        <p:blipFill>
+          <a:blip r:embed="rId2"/>
+          <a:stretch>
+            <a:fillRect/>
+          </a:stretch>
+        </p:blipFill>
+        <p:spPr>
+          <a:xfrm>
+            <a:off x="2864259" y="1737359"/>
+            <a:ext cx="8591053" cy="3383281"/>
+          </a:xfrm>
+          <a:prstGeom prst="rect">
+            <a:avLst/>
+          </a:prstGeom>
+        </p:spPr>
+      </p:pic>
+      <p:sp>
+        <p:nvSpPr>
+          <p:cNvPr id="5" name="TextBox 4">
+            <a:extLst>
+              <a:ext uri="{FF2B5EF4-FFF2-40B4-BE49-F238E27FC236}">
+                <a16:creationId xmlns:a16="http://schemas.microsoft.com/office/drawing/2014/main" id="{92958935-E51D-43C5-9C89-D879EE09AA61}"/>
+              </a:ext>
+            </a:extLst>
+          </p:cNvPr>
+          <p:cNvSpPr txBox="1"/>
+          <p:nvPr/>
+        </p:nvSpPr>
+        <p:spPr>
+          <a:xfrm>
+            <a:off x="736688" y="2782669"/>
+            <a:ext cx="1931876" cy="646331"/>
+          </a:xfrm>
+          <a:prstGeom prst="rect">
+            <a:avLst/>
+          </a:prstGeom>
+          <a:noFill/>
+        </p:spPr>
+        <p:txBody>
+          <a:bodyPr wrap="none" rtlCol="0">
+            <a:spAutoFit/>
+          </a:bodyPr>
+          <a:lstStyle/>
+          <a:p>
+            <a:r>
+              <a:rPr lang="ru-RU" dirty="0"/>
+              <a:t>Просмотр личной</a:t>
+            </a:r>
+          </a:p>
+          <a:p>
+            <a:r>
+              <a:rPr lang="ru-RU" dirty="0"/>
+              <a:t>техники</a:t>
+            </a:r>
+            <a:endParaRPr lang="ru-BY" dirty="0"/>
+          </a:p>
+        </p:txBody>
+      </p:sp>
+    </p:spTree>
+    <p:extLst>
+      <p:ext uri="{BB962C8B-B14F-4D97-AF65-F5344CB8AC3E}">
+        <p14:creationId xmlns:p14="http://schemas.microsoft.com/office/powerpoint/2010/main" val="96122925"/>
+      </p:ext>
+    </p:extLst>
+  </p:cSld>
+  <p:clrMapOvr>
+    <a:masterClrMapping/>
+  </p:clrMapOvr>
+</p:sld>
+</file>
+
+<file path=ppt/slides/slide17.xml><?xml version="1.0" encoding="utf-8"?>
+<p:sld xmlns:a="http://schemas.openxmlformats.org/drawingml/2006/main" xmlns:r="http://schemas.openxmlformats.org/officeDocument/2006/relationships" xmlns:p="http://schemas.openxmlformats.org/presentationml/2006/main">
+  <p:cSld>
+    <p:spTree>
+      <p:nvGrpSpPr>
+        <p:cNvPr id="1" name=""/>
+        <p:cNvGrpSpPr/>
+        <p:nvPr/>
+      </p:nvGrpSpPr>
+      <p:grpSpPr>
+        <a:xfrm>
+          <a:off x="0" y="0"/>
+          <a:ext cx="0" cy="0"/>
+          <a:chOff x="0" y="0"/>
+          <a:chExt cx="0" cy="0"/>
+        </a:xfrm>
+      </p:grpSpPr>
+      <p:sp>
+        <p:nvSpPr>
+          <p:cNvPr id="2" name="Заголовок 1"/>
+          <p:cNvSpPr>
+            <a:spLocks noGrp="1"/>
+          </p:cNvSpPr>
+          <p:nvPr>
+            <p:ph type="title"/>
+          </p:nvPr>
+        </p:nvSpPr>
+        <p:spPr>
+          <a:xfrm>
+            <a:off x="711200" y="2320925"/>
+            <a:ext cx="10515600" cy="1325563"/>
+          </a:xfrm>
+        </p:spPr>
+        <p:txBody>
+          <a:bodyPr/>
+          <a:lstStyle/>
+          <a:p>
+            <a:pPr algn="ctr"/>
+            <a:r>
+              <a:rPr lang="ru-RU" dirty="0">
+                <a:latin typeface="Times New Roman" panose="02020603050405020304" pitchFamily="18" charset="0"/>
+                <a:cs typeface="Times New Roman" panose="02020603050405020304" pitchFamily="18" charset="0"/>
+              </a:rPr>
+              <a:t>Спасибо за внимание</a:t>
+            </a:r>
+            <a:endParaRPr lang="en-US" dirty="0">
+              <a:latin typeface="Times New Roman" panose="02020603050405020304" pitchFamily="18" charset="0"/>
+              <a:cs typeface="Times New Roman" panose="02020603050405020304" pitchFamily="18" charset="0"/>
+            </a:endParaRPr>
+          </a:p>
+        </p:txBody>
+      </p:sp>
+    </p:spTree>
+    <p:extLst>
+      <p:ext uri="{BB962C8B-B14F-4D97-AF65-F5344CB8AC3E}">
+        <p14:creationId xmlns:p14="http://schemas.microsoft.com/office/powerpoint/2010/main" val="3426519993"/>
+      </p:ext>
+    </p:extLst>
+  </p:cSld>
+  <p:clrMapOvr>
+    <a:masterClrMapping/>
+  </p:clrMapOvr>
+</p:sld>
+</file>
+
+<file path=ppt/slides/slide2.xml><?xml version="1.0" encoding="utf-8"?>
+<p:sld xmlns:a="http://schemas.openxmlformats.org/drawingml/2006/main" xmlns:r="http://schemas.openxmlformats.org/officeDocument/2006/relationships" xmlns:p="http://schemas.openxmlformats.org/presentationml/2006/main">
+  <p:cSld>
+    <p:spTree>
+      <p:nvGrpSpPr>
+        <p:cNvPr id="1" name=""/>
+        <p:cNvGrpSpPr/>
+        <p:nvPr/>
+      </p:nvGrpSpPr>
+      <p:grpSpPr>
+        <a:xfrm>
+          <a:off x="0" y="0"/>
+          <a:ext cx="0" cy="0"/>
+          <a:chOff x="0" y="0"/>
+          <a:chExt cx="0" cy="0"/>
+        </a:xfrm>
+      </p:grpSpPr>
+      <p:sp>
+        <p:nvSpPr>
+          <p:cNvPr id="2" name="Заголовок 1"/>
+          <p:cNvSpPr>
+            <a:spLocks noGrp="1"/>
+          </p:cNvSpPr>
+          <p:nvPr>
+            <p:ph type="title"/>
+          </p:nvPr>
+        </p:nvSpPr>
+        <p:spPr>
+          <a:xfrm>
+            <a:off x="838200" y="134937"/>
+            <a:ext cx="10515600" cy="1325563"/>
+          </a:xfrm>
+        </p:spPr>
+        <p:txBody>
+          <a:bodyPr/>
+          <a:lstStyle/>
+          <a:p>
+            <a:r>
+              <a:rPr lang="ru-RU" dirty="0">
+                <a:latin typeface="Times New Roman" panose="02020603050405020304" pitchFamily="18" charset="0"/>
+                <a:cs typeface="Times New Roman" panose="02020603050405020304" pitchFamily="18" charset="0"/>
+              </a:rPr>
+              <a:t>Постановка задачи</a:t>
+            </a:r>
+            <a:endParaRPr lang="en-US" dirty="0">
+              <a:latin typeface="Times New Roman" panose="02020603050405020304" pitchFamily="18" charset="0"/>
+              <a:cs typeface="Times New Roman" panose="02020603050405020304" pitchFamily="18" charset="0"/>
+            </a:endParaRPr>
+          </a:p>
+        </p:txBody>
+      </p:sp>
+      <p:sp>
+        <p:nvSpPr>
+          <p:cNvPr id="3" name="Объект 2"/>
+          <p:cNvSpPr>
+            <a:spLocks noGrp="1"/>
+          </p:cNvSpPr>
+          <p:nvPr>
+            <p:ph idx="1"/>
+          </p:nvPr>
+        </p:nvSpPr>
+        <p:spPr>
+          <a:xfrm>
+            <a:off x="838200" y="1130300"/>
+            <a:ext cx="10515600" cy="5727700"/>
+          </a:xfrm>
+        </p:spPr>
+        <p:txBody>
+          <a:bodyPr>
+            <a:noAutofit/>
+          </a:bodyPr>
+          <a:lstStyle/>
+          <a:p>
+            <a:pPr indent="450215" algn="just">
+              <a:spcBef>
+                <a:spcPts val="0"/>
+              </a:spcBef>
+            </a:pPr>
+            <a:r>
+              <a:rPr lang="ru-RU" sz="2000" dirty="0">
+                <a:effectLst/>
+                <a:latin typeface="Times New Roman" panose="02020603050405020304" pitchFamily="18" charset="0"/>
+                <a:ea typeface="Times New Roman" panose="02020603050405020304" pitchFamily="18" charset="0"/>
+              </a:rPr>
+              <a:t>Приложение позволит коменданту следующее: </a:t>
+            </a:r>
+            <a:endParaRPr lang="ru-BY" sz="2000" dirty="0">
+              <a:effectLst/>
+              <a:latin typeface="Times New Roman" panose="02020603050405020304" pitchFamily="18" charset="0"/>
+              <a:ea typeface="Times New Roman" panose="02020603050405020304" pitchFamily="18" charset="0"/>
+            </a:endParaRPr>
+          </a:p>
+          <a:p>
+            <a:pPr marL="342900" lvl="0" indent="-342900" algn="just">
+              <a:spcBef>
+                <a:spcPts val="0"/>
+              </a:spcBef>
+              <a:buFont typeface="Times New Roman" panose="02020603050405020304" pitchFamily="18" charset="0"/>
+              <a:buChar char="–"/>
+            </a:pPr>
+            <a:r>
+              <a:rPr lang="ru-RU" sz="2000" dirty="0">
+                <a:effectLst/>
+                <a:latin typeface="Times New Roman" panose="02020603050405020304" pitchFamily="18" charset="0"/>
+                <a:ea typeface="Times New Roman" panose="02020603050405020304" pitchFamily="18" charset="0"/>
+              </a:rPr>
+              <a:t>вести учет технического оборудования, которое ввозят студенты для личного пользования;</a:t>
+            </a:r>
+            <a:endParaRPr lang="ru-BY" sz="2000" dirty="0">
+              <a:effectLst/>
+              <a:latin typeface="Times New Roman" panose="02020603050405020304" pitchFamily="18" charset="0"/>
+              <a:ea typeface="Times New Roman" panose="02020603050405020304" pitchFamily="18" charset="0"/>
+            </a:endParaRPr>
+          </a:p>
+          <a:p>
+            <a:pPr marL="342900" lvl="0" indent="-342900" algn="just">
+              <a:spcBef>
+                <a:spcPts val="0"/>
+              </a:spcBef>
+              <a:buFont typeface="Times New Roman" panose="02020603050405020304" pitchFamily="18" charset="0"/>
+              <a:buChar char="–"/>
+            </a:pPr>
+            <a:r>
+              <a:rPr lang="ru-RU" sz="2000" dirty="0">
+                <a:effectLst/>
+                <a:latin typeface="Times New Roman" panose="02020603050405020304" pitchFamily="18" charset="0"/>
+                <a:ea typeface="Times New Roman" panose="02020603050405020304" pitchFamily="18" charset="0"/>
+              </a:rPr>
+              <a:t>вести учет количества свободных и занятых мест с возможность фильтрации за год или за месяц;</a:t>
+            </a:r>
+            <a:endParaRPr lang="ru-BY" sz="2000" dirty="0">
+              <a:effectLst/>
+              <a:latin typeface="Times New Roman" panose="02020603050405020304" pitchFamily="18" charset="0"/>
+              <a:ea typeface="Times New Roman" panose="02020603050405020304" pitchFamily="18" charset="0"/>
+            </a:endParaRPr>
+          </a:p>
+          <a:p>
+            <a:pPr marL="342900" lvl="0" indent="-342900" algn="just">
+              <a:spcBef>
+                <a:spcPts val="0"/>
+              </a:spcBef>
+              <a:buFont typeface="Times New Roman" panose="02020603050405020304" pitchFamily="18" charset="0"/>
+              <a:buChar char="–"/>
+            </a:pPr>
+            <a:r>
+              <a:rPr lang="ru-RU" sz="2000" dirty="0">
+                <a:effectLst/>
+                <a:latin typeface="Times New Roman" panose="02020603050405020304" pitchFamily="18" charset="0"/>
+                <a:ea typeface="Times New Roman" panose="02020603050405020304" pitchFamily="18" charset="0"/>
+              </a:rPr>
+              <a:t>для заполнения списка студентов комендант сможет импортировать файл формата Excel в базу данных;</a:t>
+            </a:r>
+            <a:endParaRPr lang="ru-BY" sz="2000" dirty="0">
+              <a:effectLst/>
+              <a:latin typeface="Times New Roman" panose="02020603050405020304" pitchFamily="18" charset="0"/>
+              <a:ea typeface="Times New Roman" panose="02020603050405020304" pitchFamily="18" charset="0"/>
+            </a:endParaRPr>
+          </a:p>
+          <a:p>
+            <a:pPr marL="342900" lvl="0" indent="-342900" algn="just">
+              <a:spcBef>
+                <a:spcPts val="0"/>
+              </a:spcBef>
+              <a:buFont typeface="Times New Roman" panose="02020603050405020304" pitchFamily="18" charset="0"/>
+              <a:buChar char="–"/>
+            </a:pPr>
+            <a:r>
+              <a:rPr lang="ru-RU" sz="2000" dirty="0">
+                <a:effectLst/>
+                <a:latin typeface="Times New Roman" panose="02020603050405020304" pitchFamily="18" charset="0"/>
+                <a:ea typeface="Times New Roman" panose="02020603050405020304" pitchFamily="18" charset="0"/>
+              </a:rPr>
+              <a:t>мониторинг оплаты за проживание.</a:t>
+            </a:r>
+            <a:endParaRPr lang="ru-BY" sz="2000" dirty="0">
+              <a:effectLst/>
+              <a:latin typeface="Times New Roman" panose="02020603050405020304" pitchFamily="18" charset="0"/>
+              <a:ea typeface="Times New Roman" panose="02020603050405020304" pitchFamily="18" charset="0"/>
+            </a:endParaRPr>
+          </a:p>
+          <a:p>
+            <a:pPr indent="450215" algn="just">
+              <a:spcBef>
+                <a:spcPts val="0"/>
+              </a:spcBef>
+            </a:pPr>
+            <a:r>
+              <a:rPr lang="ru-RU" sz="2000" dirty="0">
+                <a:effectLst/>
+                <a:latin typeface="Times New Roman" panose="02020603050405020304" pitchFamily="18" charset="0"/>
+                <a:ea typeface="Times New Roman" panose="02020603050405020304" pitchFamily="18" charset="0"/>
+              </a:rPr>
+              <a:t>Для студентов будет реализовано:</a:t>
+            </a:r>
+            <a:endParaRPr lang="ru-BY" sz="2000" dirty="0">
+              <a:effectLst/>
+              <a:latin typeface="Times New Roman" panose="02020603050405020304" pitchFamily="18" charset="0"/>
+              <a:ea typeface="Times New Roman" panose="02020603050405020304" pitchFamily="18" charset="0"/>
+            </a:endParaRPr>
+          </a:p>
+          <a:p>
+            <a:pPr marL="342900" lvl="0" indent="-342900" algn="just">
+              <a:spcBef>
+                <a:spcPts val="0"/>
+              </a:spcBef>
+              <a:buFont typeface="Times New Roman" panose="02020603050405020304" pitchFamily="18" charset="0"/>
+              <a:buChar char="–"/>
+            </a:pPr>
+            <a:r>
+              <a:rPr lang="ru-RU" sz="2000" dirty="0">
+                <a:effectLst/>
+                <a:latin typeface="Times New Roman" panose="02020603050405020304" pitchFamily="18" charset="0"/>
+                <a:ea typeface="Times New Roman" panose="02020603050405020304" pitchFamily="18" charset="0"/>
+              </a:rPr>
+              <a:t>личный кабинет, где они смогут следить за текущими новостями и событиями;</a:t>
+            </a:r>
+            <a:endParaRPr lang="ru-BY" sz="2000" dirty="0">
+              <a:effectLst/>
+              <a:latin typeface="Times New Roman" panose="02020603050405020304" pitchFamily="18" charset="0"/>
+              <a:ea typeface="Times New Roman" panose="02020603050405020304" pitchFamily="18" charset="0"/>
+            </a:endParaRPr>
+          </a:p>
+          <a:p>
+            <a:pPr marL="342900" lvl="0" indent="-342900" algn="just">
+              <a:spcBef>
+                <a:spcPts val="0"/>
+              </a:spcBef>
+              <a:buFont typeface="Times New Roman" panose="02020603050405020304" pitchFamily="18" charset="0"/>
+              <a:buChar char="–"/>
+            </a:pPr>
+            <a:r>
+              <a:rPr lang="ru-RU" sz="2000" dirty="0">
+                <a:effectLst/>
+                <a:latin typeface="Times New Roman" panose="02020603050405020304" pitchFamily="18" charset="0"/>
+                <a:ea typeface="Times New Roman" panose="02020603050405020304" pitchFamily="18" charset="0"/>
+              </a:rPr>
+              <a:t>чат с воспитателем;</a:t>
+            </a:r>
+            <a:endParaRPr lang="ru-BY" sz="2000" dirty="0">
+              <a:effectLst/>
+              <a:latin typeface="Times New Roman" panose="02020603050405020304" pitchFamily="18" charset="0"/>
+              <a:ea typeface="Times New Roman" panose="02020603050405020304" pitchFamily="18" charset="0"/>
+            </a:endParaRPr>
+          </a:p>
+          <a:p>
+            <a:pPr marL="342900" lvl="0" indent="-342900" algn="just">
+              <a:spcBef>
+                <a:spcPts val="0"/>
+              </a:spcBef>
+              <a:buFont typeface="Times New Roman" panose="02020603050405020304" pitchFamily="18" charset="0"/>
+              <a:buChar char="–"/>
+            </a:pPr>
+            <a:r>
+              <a:rPr lang="ru-RU" sz="2000" dirty="0">
+                <a:effectLst/>
+                <a:latin typeface="Times New Roman" panose="02020603050405020304" pitchFamily="18" charset="0"/>
+                <a:ea typeface="Times New Roman" panose="02020603050405020304" pitchFamily="18" charset="0"/>
+              </a:rPr>
+              <a:t>возможность создавать заявки на починку бытового оборудования. </a:t>
+            </a:r>
+            <a:endParaRPr lang="ru-BY" sz="2000" dirty="0">
+              <a:effectLst/>
+              <a:latin typeface="Times New Roman" panose="02020603050405020304" pitchFamily="18" charset="0"/>
+              <a:ea typeface="Times New Roman" panose="02020603050405020304" pitchFamily="18" charset="0"/>
+            </a:endParaRPr>
+          </a:p>
+          <a:p>
+            <a:pPr indent="457200" algn="just">
+              <a:spcBef>
+                <a:spcPts val="0"/>
+              </a:spcBef>
+            </a:pPr>
+            <a:r>
+              <a:rPr lang="ru-RU" sz="2000" dirty="0">
+                <a:effectLst/>
+                <a:latin typeface="Times New Roman" panose="02020603050405020304" pitchFamily="18" charset="0"/>
+                <a:ea typeface="Times New Roman" panose="02020603050405020304" pitchFamily="18" charset="0"/>
+              </a:rPr>
+              <a:t>Для воспитателей приложение предусматривает следующие функции: </a:t>
+            </a:r>
+            <a:endParaRPr lang="ru-BY" sz="2000" dirty="0">
+              <a:effectLst/>
+              <a:latin typeface="Times New Roman" panose="02020603050405020304" pitchFamily="18" charset="0"/>
+              <a:ea typeface="Times New Roman" panose="02020603050405020304" pitchFamily="18" charset="0"/>
+            </a:endParaRPr>
+          </a:p>
+          <a:p>
+            <a:pPr marL="342900" lvl="0" indent="-342900" algn="just">
+              <a:spcBef>
+                <a:spcPts val="0"/>
+              </a:spcBef>
+              <a:buFont typeface="Times New Roman" panose="02020603050405020304" pitchFamily="18" charset="0"/>
+              <a:buChar char="–"/>
+            </a:pPr>
+            <a:r>
+              <a:rPr lang="ru-RU" sz="2000" dirty="0">
+                <a:effectLst/>
+                <a:latin typeface="Times New Roman" panose="02020603050405020304" pitchFamily="18" charset="0"/>
+                <a:ea typeface="Times New Roman" panose="02020603050405020304" pitchFamily="18" charset="0"/>
+              </a:rPr>
+              <a:t>создание и ведение ленты новостей;</a:t>
+            </a:r>
+            <a:endParaRPr lang="ru-BY" sz="2000" dirty="0">
+              <a:effectLst/>
+              <a:latin typeface="Times New Roman" panose="02020603050405020304" pitchFamily="18" charset="0"/>
+              <a:ea typeface="Times New Roman" panose="02020603050405020304" pitchFamily="18" charset="0"/>
+            </a:endParaRPr>
+          </a:p>
+          <a:p>
+            <a:pPr marL="342900" lvl="0" indent="-342900" algn="just">
+              <a:spcBef>
+                <a:spcPts val="0"/>
+              </a:spcBef>
+              <a:buFont typeface="Times New Roman" panose="02020603050405020304" pitchFamily="18" charset="0"/>
+              <a:buChar char="–"/>
+            </a:pPr>
+            <a:r>
+              <a:rPr lang="ru-RU" sz="2000" dirty="0">
+                <a:effectLst/>
+                <a:latin typeface="Times New Roman" panose="02020603050405020304" pitchFamily="18" charset="0"/>
+                <a:ea typeface="Times New Roman" panose="02020603050405020304" pitchFamily="18" charset="0"/>
+              </a:rPr>
+              <a:t>создание и ведение ленты событий; </a:t>
+            </a:r>
+            <a:endParaRPr lang="ru-BY" sz="2000" dirty="0">
+              <a:effectLst/>
+              <a:latin typeface="Times New Roman" panose="02020603050405020304" pitchFamily="18" charset="0"/>
+              <a:ea typeface="Times New Roman" panose="02020603050405020304" pitchFamily="18" charset="0"/>
+            </a:endParaRPr>
+          </a:p>
+          <a:p>
+            <a:pPr marL="342900" lvl="0" indent="-342900" algn="just">
+              <a:spcBef>
+                <a:spcPts val="0"/>
+              </a:spcBef>
+              <a:buFont typeface="Times New Roman" panose="02020603050405020304" pitchFamily="18" charset="0"/>
+              <a:buChar char="–"/>
+            </a:pPr>
+            <a:r>
+              <a:rPr lang="ru-RU" sz="2000" dirty="0">
+                <a:effectLst/>
+                <a:latin typeface="Times New Roman" panose="02020603050405020304" pitchFamily="18" charset="0"/>
+                <a:ea typeface="Times New Roman" panose="02020603050405020304" pitchFamily="18" charset="0"/>
+              </a:rPr>
+              <a:t>начисление баллов студентам;</a:t>
+            </a:r>
+            <a:endParaRPr lang="ru-BY" sz="2000" dirty="0">
+              <a:effectLst/>
+              <a:latin typeface="Times New Roman" panose="02020603050405020304" pitchFamily="18" charset="0"/>
+              <a:ea typeface="Times New Roman" panose="02020603050405020304" pitchFamily="18" charset="0"/>
+            </a:endParaRPr>
+          </a:p>
+          <a:p>
+            <a:pPr marL="342900" lvl="0" indent="-342900" algn="just">
+              <a:spcBef>
+                <a:spcPts val="0"/>
+              </a:spcBef>
+              <a:buFont typeface="Times New Roman" panose="02020603050405020304" pitchFamily="18" charset="0"/>
+              <a:buChar char="–"/>
+            </a:pPr>
+            <a:r>
+              <a:rPr lang="ru-RU" sz="2000" dirty="0">
+                <a:effectLst/>
+                <a:latin typeface="Times New Roman" panose="02020603050405020304" pitchFamily="18" charset="0"/>
+                <a:ea typeface="Times New Roman" panose="02020603050405020304" pitchFamily="18" charset="0"/>
+              </a:rPr>
+              <a:t>создание чата со студентом или общей беседы; </a:t>
+            </a:r>
+            <a:endParaRPr lang="ru-BY" sz="2000" dirty="0">
+              <a:effectLst/>
+              <a:latin typeface="Times New Roman" panose="02020603050405020304" pitchFamily="18" charset="0"/>
+              <a:ea typeface="Times New Roman" panose="02020603050405020304" pitchFamily="18" charset="0"/>
+            </a:endParaRPr>
+          </a:p>
+          <a:p>
+            <a:pPr marL="342900" lvl="0" indent="-342900" algn="just">
+              <a:spcBef>
+                <a:spcPts val="0"/>
+              </a:spcBef>
+              <a:buFont typeface="Times New Roman" panose="02020603050405020304" pitchFamily="18" charset="0"/>
+              <a:buChar char="–"/>
+            </a:pPr>
+            <a:r>
+              <a:rPr lang="ru-RU" sz="2000" dirty="0">
+                <a:effectLst/>
+                <a:latin typeface="Times New Roman" panose="02020603050405020304" pitchFamily="18" charset="0"/>
+                <a:ea typeface="Times New Roman" panose="02020603050405020304" pitchFamily="18" charset="0"/>
+              </a:rPr>
+              <a:t>оставлять замечания в личном кабинете студента.</a:t>
+            </a:r>
+            <a:endParaRPr lang="ru-BY" sz="2000" dirty="0">
+              <a:effectLst/>
+              <a:latin typeface="Times New Roman" panose="02020603050405020304" pitchFamily="18" charset="0"/>
+              <a:ea typeface="Times New Roman" panose="02020603050405020304" pitchFamily="18" charset="0"/>
+            </a:endParaRPr>
+          </a:p>
+          <a:p>
+            <a:pPr marL="0" indent="0">
+              <a:spcBef>
+                <a:spcPts val="0"/>
+              </a:spcBef>
+              <a:buNone/>
+            </a:pPr>
+            <a:endParaRPr lang="en-US" sz="2000" dirty="0">
+              <a:latin typeface="Times New Roman" panose="02020603050405020304" pitchFamily="18" charset="0"/>
+              <a:cs typeface="Times New Roman" panose="02020603050405020304" pitchFamily="18" charset="0"/>
+            </a:endParaRPr>
+          </a:p>
+        </p:txBody>
+      </p:sp>
+    </p:spTree>
+    <p:extLst>
+      <p:ext uri="{BB962C8B-B14F-4D97-AF65-F5344CB8AC3E}">
+        <p14:creationId xmlns:p14="http://schemas.microsoft.com/office/powerpoint/2010/main" val="2820893155"/>
+      </p:ext>
+    </p:extLst>
+  </p:cSld>
+  <p:clrMapOvr>
+    <a:masterClrMapping/>
+  </p:clrMapOvr>
+</p:sld>
+</file>
+
+<file path=ppt/slides/slide3.xml><?xml version="1.0" encoding="utf-8"?>
+<p:sld xmlns:a="http://schemas.openxmlformats.org/drawingml/2006/main" xmlns:r="http://schemas.openxmlformats.org/officeDocument/2006/relationships" xmlns:p="http://schemas.openxmlformats.org/presentationml/2006/main">
+  <p:cSld>
+    <p:spTree>
+      <p:nvGrpSpPr>
+        <p:cNvPr id="1" name=""/>
+        <p:cNvGrpSpPr/>
+        <p:nvPr/>
+      </p:nvGrpSpPr>
+      <p:grpSpPr>
+        <a:xfrm>
+          <a:off x="0" y="0"/>
+          <a:ext cx="0" cy="0"/>
+          <a:chOff x="0" y="0"/>
+          <a:chExt cx="0" cy="0"/>
+        </a:xfrm>
+      </p:grpSpPr>
+      <p:sp>
+        <p:nvSpPr>
+          <p:cNvPr id="2" name="Заголовок 1"/>
+          <p:cNvSpPr>
+            <a:spLocks noGrp="1"/>
+          </p:cNvSpPr>
+          <p:nvPr>
+            <p:ph type="title"/>
+          </p:nvPr>
+        </p:nvSpPr>
+        <p:spPr/>
+        <p:txBody>
+          <a:bodyPr/>
+          <a:lstStyle/>
+          <a:p>
+            <a:r>
+              <a:rPr lang="ru-RU" dirty="0">
                 <a:latin typeface="Times New Roman" panose="02020603050405020304" pitchFamily="18" charset="0"/>
                 <a:cs typeface="Times New Roman" panose="02020603050405020304" pitchFamily="18" charset="0"/>
               </a:rPr>
@@ -3406,673 +4526,6 @@
   <p:clrMapOvr>
     <a:masterClrMapping/>
   </p:clrMapOvr>
-  <p:timing>
-    <p:tnLst>
-      <p:par>
-        <p:cTn id="1" dur="indefinite" restart="never" nodeType="tmRoot"/>
-      </p:par>
-    </p:tnLst>
-  </p:timing>
-</p:sld>
-</file>
-
-<file path=ppt/slides/slide13.xml><?xml version="1.0" encoding="utf-8"?>
-<p:sld xmlns:a="http://schemas.openxmlformats.org/drawingml/2006/main" xmlns:r="http://schemas.openxmlformats.org/officeDocument/2006/relationships" xmlns:p="http://schemas.openxmlformats.org/presentationml/2006/main">
-  <p:cSld>
-    <p:spTree>
-      <p:nvGrpSpPr>
-        <p:cNvPr id="1" name=""/>
-        <p:cNvGrpSpPr/>
-        <p:nvPr/>
-      </p:nvGrpSpPr>
-      <p:grpSpPr>
-        <a:xfrm>
-          <a:off x="0" y="0"/>
-          <a:ext cx="0" cy="0"/>
-          <a:chOff x="0" y="0"/>
-          <a:chExt cx="0" cy="0"/>
-        </a:xfrm>
-      </p:grpSpPr>
-      <p:sp>
-        <p:nvSpPr>
-          <p:cNvPr id="2" name="Заголовок 1"/>
-          <p:cNvSpPr>
-            <a:spLocks noGrp="1"/>
-          </p:cNvSpPr>
-          <p:nvPr>
-            <p:ph type="title"/>
-          </p:nvPr>
-        </p:nvSpPr>
-        <p:spPr/>
-        <p:txBody>
-          <a:bodyPr/>
-          <a:lstStyle/>
-          <a:p>
-            <a:r>
-              <a:rPr lang="ru-RU" dirty="0" smtClean="0">
-                <a:latin typeface="Times New Roman" panose="02020603050405020304" pitchFamily="18" charset="0"/>
-                <a:cs typeface="Times New Roman" panose="02020603050405020304" pitchFamily="18" charset="0"/>
-              </a:rPr>
-              <a:t>В данный момент</a:t>
-            </a:r>
-            <a:endParaRPr lang="en-US" dirty="0">
-              <a:latin typeface="Times New Roman" panose="02020603050405020304" pitchFamily="18" charset="0"/>
-              <a:cs typeface="Times New Roman" panose="02020603050405020304" pitchFamily="18" charset="0"/>
-            </a:endParaRPr>
-          </a:p>
-        </p:txBody>
-      </p:sp>
-      <p:sp>
-        <p:nvSpPr>
-          <p:cNvPr id="3" name="Объект 2"/>
-          <p:cNvSpPr>
-            <a:spLocks noGrp="1"/>
-          </p:cNvSpPr>
-          <p:nvPr>
-            <p:ph idx="1"/>
-          </p:nvPr>
-        </p:nvSpPr>
-        <p:spPr>
-          <a:xfrm>
-            <a:off x="2755900" y="1978025"/>
-            <a:ext cx="4800600" cy="4351338"/>
-          </a:xfrm>
-        </p:spPr>
-        <p:txBody>
-          <a:bodyPr/>
-          <a:lstStyle/>
-          <a:p>
-            <a:r>
-              <a:rPr lang="ru-RU" dirty="0">
-                <a:latin typeface="Times New Roman" panose="02020603050405020304" pitchFamily="18" charset="0"/>
-                <a:cs typeface="Times New Roman" panose="02020603050405020304" pitchFamily="18" charset="0"/>
-              </a:rPr>
-              <a:t>а</a:t>
-            </a:r>
-            <a:r>
-              <a:rPr lang="ru-RU" dirty="0" smtClean="0">
-                <a:latin typeface="Times New Roman" panose="02020603050405020304" pitchFamily="18" charset="0"/>
-                <a:cs typeface="Times New Roman" panose="02020603050405020304" pitchFamily="18" charset="0"/>
-              </a:rPr>
-              <a:t>ктивно разрабатываю макет будущего </a:t>
-            </a:r>
-            <a:r>
-              <a:rPr lang="ru-RU" dirty="0" smtClean="0">
-                <a:latin typeface="Times New Roman" panose="02020603050405020304" pitchFamily="18" charset="0"/>
-                <a:cs typeface="Times New Roman" panose="02020603050405020304" pitchFamily="18" charset="0"/>
-              </a:rPr>
-              <a:t>приложения </a:t>
-            </a:r>
-            <a:r>
-              <a:rPr lang="ru-RU" dirty="0" smtClean="0">
-                <a:latin typeface="Times New Roman" panose="02020603050405020304" pitchFamily="18" charset="0"/>
-                <a:cs typeface="Times New Roman" panose="02020603050405020304" pitchFamily="18" charset="0"/>
-              </a:rPr>
-              <a:t>в </a:t>
-            </a:r>
-            <a:r>
-              <a:rPr lang="en-US" dirty="0" err="1" smtClean="0">
-                <a:latin typeface="Times New Roman" panose="02020603050405020304" pitchFamily="18" charset="0"/>
-                <a:cs typeface="Times New Roman" panose="02020603050405020304" pitchFamily="18" charset="0"/>
-              </a:rPr>
-              <a:t>Figma</a:t>
-            </a:r>
-            <a:endParaRPr lang="ru-RU" dirty="0" smtClean="0">
-              <a:latin typeface="Times New Roman" panose="02020603050405020304" pitchFamily="18" charset="0"/>
-              <a:cs typeface="Times New Roman" panose="02020603050405020304" pitchFamily="18" charset="0"/>
-            </a:endParaRPr>
-          </a:p>
-          <a:p>
-            <a:r>
-              <a:rPr lang="ru-RU" dirty="0">
-                <a:latin typeface="Times New Roman" panose="02020603050405020304" pitchFamily="18" charset="0"/>
-                <a:cs typeface="Times New Roman" panose="02020603050405020304" pitchFamily="18" charset="0"/>
-              </a:rPr>
-              <a:t>п</a:t>
-            </a:r>
-            <a:r>
-              <a:rPr lang="ru-RU" dirty="0" smtClean="0">
-                <a:latin typeface="Times New Roman" panose="02020603050405020304" pitchFamily="18" charset="0"/>
-                <a:cs typeface="Times New Roman" panose="02020603050405020304" pitchFamily="18" charset="0"/>
-              </a:rPr>
-              <a:t>рорабатываю сценарии </a:t>
-            </a:r>
-            <a:r>
-              <a:rPr lang="ru-RU" dirty="0" smtClean="0">
-                <a:latin typeface="Times New Roman" panose="02020603050405020304" pitchFamily="18" charset="0"/>
-                <a:cs typeface="Times New Roman" panose="02020603050405020304" pitchFamily="18" charset="0"/>
-              </a:rPr>
-              <a:t>пользователей</a:t>
-            </a:r>
-            <a:r>
-              <a:rPr lang="en-US" dirty="0" smtClean="0">
-                <a:latin typeface="Times New Roman" panose="02020603050405020304" pitchFamily="18" charset="0"/>
-                <a:cs typeface="Times New Roman" panose="02020603050405020304" pitchFamily="18" charset="0"/>
-              </a:rPr>
-              <a:t> (</a:t>
-            </a:r>
-            <a:r>
-              <a:rPr lang="ru-RU" dirty="0" smtClean="0">
-                <a:latin typeface="Times New Roman" panose="02020603050405020304" pitchFamily="18" charset="0"/>
-                <a:cs typeface="Times New Roman" panose="02020603050405020304" pitchFamily="18" charset="0"/>
-              </a:rPr>
-              <a:t>схемы в </a:t>
-            </a:r>
-            <a:r>
-              <a:rPr lang="en-US" dirty="0" err="1" smtClean="0">
-                <a:latin typeface="Times New Roman" panose="02020603050405020304" pitchFamily="18" charset="0"/>
-                <a:cs typeface="Times New Roman" panose="02020603050405020304" pitchFamily="18" charset="0"/>
-              </a:rPr>
-              <a:t>StarUml</a:t>
-            </a:r>
-            <a:r>
-              <a:rPr lang="en-US" dirty="0" smtClean="0">
-                <a:latin typeface="Times New Roman" panose="02020603050405020304" pitchFamily="18" charset="0"/>
-                <a:cs typeface="Times New Roman" panose="02020603050405020304" pitchFamily="18" charset="0"/>
-              </a:rPr>
-              <a:t>)</a:t>
-            </a:r>
-            <a:endParaRPr lang="ru-RU" dirty="0" smtClean="0">
-              <a:latin typeface="Times New Roman" panose="02020603050405020304" pitchFamily="18" charset="0"/>
-              <a:cs typeface="Times New Roman" panose="02020603050405020304" pitchFamily="18" charset="0"/>
-            </a:endParaRPr>
-          </a:p>
-          <a:p>
-            <a:pPr marL="0" indent="0">
-              <a:buNone/>
-            </a:pPr>
-            <a:endParaRPr lang="en-US" dirty="0">
-              <a:latin typeface="Times New Roman" panose="02020603050405020304" pitchFamily="18" charset="0"/>
-              <a:cs typeface="Times New Roman" panose="02020603050405020304" pitchFamily="18" charset="0"/>
-            </a:endParaRPr>
-          </a:p>
-        </p:txBody>
-      </p:sp>
-    </p:spTree>
-    <p:extLst>
-      <p:ext uri="{BB962C8B-B14F-4D97-AF65-F5344CB8AC3E}">
-        <p14:creationId xmlns:p14="http://schemas.microsoft.com/office/powerpoint/2010/main" val="4233794581"/>
-      </p:ext>
-    </p:extLst>
-  </p:cSld>
-  <p:clrMapOvr>
-    <a:masterClrMapping/>
-  </p:clrMapOvr>
-  <p:timing>
-    <p:tnLst>
-      <p:par>
-        <p:cTn id="1" dur="indefinite" restart="never" nodeType="tmRoot"/>
-      </p:par>
-    </p:tnLst>
-  </p:timing>
-</p:sld>
-</file>
-
-<file path=ppt/slides/slide14.xml><?xml version="1.0" encoding="utf-8"?>
-<p:sld xmlns:a="http://schemas.openxmlformats.org/drawingml/2006/main" xmlns:r="http://schemas.openxmlformats.org/officeDocument/2006/relationships" xmlns:p="http://schemas.openxmlformats.org/presentationml/2006/main">
-  <p:cSld>
-    <p:spTree>
-      <p:nvGrpSpPr>
-        <p:cNvPr id="1" name=""/>
-        <p:cNvGrpSpPr/>
-        <p:nvPr/>
-      </p:nvGrpSpPr>
-      <p:grpSpPr>
-        <a:xfrm>
-          <a:off x="0" y="0"/>
-          <a:ext cx="0" cy="0"/>
-          <a:chOff x="0" y="0"/>
-          <a:chExt cx="0" cy="0"/>
-        </a:xfrm>
-      </p:grpSpPr>
-      <p:sp>
-        <p:nvSpPr>
-          <p:cNvPr id="2" name="Заголовок 1"/>
-          <p:cNvSpPr>
-            <a:spLocks noGrp="1"/>
-          </p:cNvSpPr>
-          <p:nvPr>
-            <p:ph type="title"/>
-          </p:nvPr>
-        </p:nvSpPr>
-        <p:spPr>
-          <a:xfrm>
-            <a:off x="711200" y="2320925"/>
-            <a:ext cx="10515600" cy="1325563"/>
-          </a:xfrm>
-        </p:spPr>
-        <p:txBody>
-          <a:bodyPr/>
-          <a:lstStyle/>
-          <a:p>
-            <a:pPr algn="ctr"/>
-            <a:r>
-              <a:rPr lang="ru-RU" dirty="0" smtClean="0">
-                <a:latin typeface="Times New Roman" panose="02020603050405020304" pitchFamily="18" charset="0"/>
-                <a:cs typeface="Times New Roman" panose="02020603050405020304" pitchFamily="18" charset="0"/>
-              </a:rPr>
-              <a:t>Спасибо за внимание</a:t>
-            </a:r>
-            <a:endParaRPr lang="en-US" dirty="0">
-              <a:latin typeface="Times New Roman" panose="02020603050405020304" pitchFamily="18" charset="0"/>
-              <a:cs typeface="Times New Roman" panose="02020603050405020304" pitchFamily="18" charset="0"/>
-            </a:endParaRPr>
-          </a:p>
-        </p:txBody>
-      </p:sp>
-    </p:spTree>
-    <p:extLst>
-      <p:ext uri="{BB962C8B-B14F-4D97-AF65-F5344CB8AC3E}">
-        <p14:creationId xmlns:p14="http://schemas.microsoft.com/office/powerpoint/2010/main" val="3426519993"/>
-      </p:ext>
-    </p:extLst>
-  </p:cSld>
-  <p:clrMapOvr>
-    <a:masterClrMapping/>
-  </p:clrMapOvr>
-  <p:timing>
-    <p:tnLst>
-      <p:par>
-        <p:cTn id="1" dur="indefinite" restart="never" nodeType="tmRoot"/>
-      </p:par>
-    </p:tnLst>
-  </p:timing>
-</p:sld>
-</file>
-
-<file path=ppt/slides/slide2.xml><?xml version="1.0" encoding="utf-8"?>
-<p:sld xmlns:a="http://schemas.openxmlformats.org/drawingml/2006/main" xmlns:r="http://schemas.openxmlformats.org/officeDocument/2006/relationships" xmlns:p="http://schemas.openxmlformats.org/presentationml/2006/main">
-  <p:cSld>
-    <p:spTree>
-      <p:nvGrpSpPr>
-        <p:cNvPr id="1" name=""/>
-        <p:cNvGrpSpPr/>
-        <p:nvPr/>
-      </p:nvGrpSpPr>
-      <p:grpSpPr>
-        <a:xfrm>
-          <a:off x="0" y="0"/>
-          <a:ext cx="0" cy="0"/>
-          <a:chOff x="0" y="0"/>
-          <a:chExt cx="0" cy="0"/>
-        </a:xfrm>
-      </p:grpSpPr>
-      <p:sp>
-        <p:nvSpPr>
-          <p:cNvPr id="2" name="Заголовок 1"/>
-          <p:cNvSpPr>
-            <a:spLocks noGrp="1"/>
-          </p:cNvSpPr>
-          <p:nvPr>
-            <p:ph type="title"/>
-          </p:nvPr>
-        </p:nvSpPr>
-        <p:spPr>
-          <a:xfrm>
-            <a:off x="838200" y="134937"/>
-            <a:ext cx="10515600" cy="1325563"/>
-          </a:xfrm>
-        </p:spPr>
-        <p:txBody>
-          <a:bodyPr/>
-          <a:lstStyle/>
-          <a:p>
-            <a:r>
-              <a:rPr lang="ru-RU" dirty="0" smtClean="0">
-                <a:latin typeface="Times New Roman" panose="02020603050405020304" pitchFamily="18" charset="0"/>
-                <a:cs typeface="Times New Roman" panose="02020603050405020304" pitchFamily="18" charset="0"/>
-              </a:rPr>
-              <a:t>Постановка задачи</a:t>
-            </a:r>
-            <a:endParaRPr lang="en-US" dirty="0">
-              <a:latin typeface="Times New Roman" panose="02020603050405020304" pitchFamily="18" charset="0"/>
-              <a:cs typeface="Times New Roman" panose="02020603050405020304" pitchFamily="18" charset="0"/>
-            </a:endParaRPr>
-          </a:p>
-        </p:txBody>
-      </p:sp>
-      <p:sp>
-        <p:nvSpPr>
-          <p:cNvPr id="3" name="Объект 2"/>
-          <p:cNvSpPr>
-            <a:spLocks noGrp="1"/>
-          </p:cNvSpPr>
-          <p:nvPr>
-            <p:ph idx="1"/>
-          </p:nvPr>
-        </p:nvSpPr>
-        <p:spPr>
-          <a:xfrm>
-            <a:off x="838200" y="1130300"/>
-            <a:ext cx="10515600" cy="5727700"/>
-          </a:xfrm>
-        </p:spPr>
-        <p:txBody>
-          <a:bodyPr>
-            <a:noAutofit/>
-          </a:bodyPr>
-          <a:lstStyle/>
-          <a:p>
-            <a:pPr marL="0" indent="0">
-              <a:buNone/>
-            </a:pPr>
-            <a:r>
-              <a:rPr lang="ru-RU" sz="2000" dirty="0" smtClean="0">
-                <a:latin typeface="Times New Roman" panose="02020603050405020304" pitchFamily="18" charset="0"/>
-                <a:cs typeface="Times New Roman" panose="02020603050405020304" pitchFamily="18" charset="0"/>
-              </a:rPr>
-              <a:t>Разработка </a:t>
-            </a:r>
-            <a:r>
-              <a:rPr lang="ru-RU" sz="2000" dirty="0">
-                <a:latin typeface="Times New Roman" panose="02020603050405020304" pitchFamily="18" charset="0"/>
-                <a:cs typeface="Times New Roman" panose="02020603050405020304" pitchFamily="18" charset="0"/>
-              </a:rPr>
-              <a:t>программного комплекса, предназначенного для студентов и работников студенческого общежития, которое позволит автоматизировать процессы для коменданта, воспитателя и студентов общежития. </a:t>
-            </a:r>
-            <a:endParaRPr lang="en-US" sz="2000" dirty="0">
-              <a:latin typeface="Times New Roman" panose="02020603050405020304" pitchFamily="18" charset="0"/>
-              <a:cs typeface="Times New Roman" panose="02020603050405020304" pitchFamily="18" charset="0"/>
-            </a:endParaRPr>
-          </a:p>
-          <a:p>
-            <a:r>
-              <a:rPr lang="ru-RU" sz="2000" dirty="0">
-                <a:latin typeface="Times New Roman" panose="02020603050405020304" pitchFamily="18" charset="0"/>
-                <a:cs typeface="Times New Roman" panose="02020603050405020304" pitchFamily="18" charset="0"/>
-              </a:rPr>
-              <a:t>Приложение позволит коменданту вести учет технического оборудования, которые ввозят студенты для личного пользования, а также количества свободных и занятых мест. Для заполнение списка студентов комендант сможет импортировать файл формата </a:t>
-            </a:r>
-            <a:r>
-              <a:rPr lang="en-US" sz="2000" dirty="0">
-                <a:latin typeface="Times New Roman" panose="02020603050405020304" pitchFamily="18" charset="0"/>
-                <a:cs typeface="Times New Roman" panose="02020603050405020304" pitchFamily="18" charset="0"/>
-              </a:rPr>
-              <a:t>Excel </a:t>
-            </a:r>
-            <a:r>
-              <a:rPr lang="ru-RU" sz="2000" dirty="0">
-                <a:latin typeface="Times New Roman" panose="02020603050405020304" pitchFamily="18" charset="0"/>
-                <a:cs typeface="Times New Roman" panose="02020603050405020304" pitchFamily="18" charset="0"/>
-              </a:rPr>
-              <a:t>во внутреннюю базу данных. Также у него будет возможность производить мониторинг оплаты за проживание.</a:t>
-            </a:r>
-            <a:endParaRPr lang="en-US" sz="2000" dirty="0">
-              <a:latin typeface="Times New Roman" panose="02020603050405020304" pitchFamily="18" charset="0"/>
-              <a:cs typeface="Times New Roman" panose="02020603050405020304" pitchFamily="18" charset="0"/>
-            </a:endParaRPr>
-          </a:p>
-          <a:p>
-            <a:r>
-              <a:rPr lang="ru-RU" sz="2000" dirty="0">
-                <a:latin typeface="Times New Roman" panose="02020603050405020304" pitchFamily="18" charset="0"/>
-                <a:cs typeface="Times New Roman" panose="02020603050405020304" pitchFamily="18" charset="0"/>
-              </a:rPr>
-              <a:t>Для студентов будет реализовано личное пространство, где они смогут следить за текущими новостями и событиями, а также общаться с воспитателем в созданном ей чате и создавать заявки на починку бытового оборудования. </a:t>
-            </a:r>
-            <a:endParaRPr lang="en-US" sz="2000" dirty="0">
-              <a:latin typeface="Times New Roman" panose="02020603050405020304" pitchFamily="18" charset="0"/>
-              <a:cs typeface="Times New Roman" panose="02020603050405020304" pitchFamily="18" charset="0"/>
-            </a:endParaRPr>
-          </a:p>
-          <a:p>
-            <a:r>
-              <a:rPr lang="ru-RU" sz="2000" dirty="0">
-                <a:latin typeface="Times New Roman" panose="02020603050405020304" pitchFamily="18" charset="0"/>
-                <a:cs typeface="Times New Roman" panose="02020603050405020304" pitchFamily="18" charset="0"/>
-              </a:rPr>
-              <a:t>Для воспитателей приложение предусматривает следующие функции: создание и ведение ленты новостей и событий, начисление баллов студентам, создание чата со студентом или общей беседы, оставлять замечания в личном кабинете студента.</a:t>
-            </a:r>
-            <a:endParaRPr lang="en-US" sz="2000" dirty="0">
-              <a:latin typeface="Times New Roman" panose="02020603050405020304" pitchFamily="18" charset="0"/>
-              <a:cs typeface="Times New Roman" panose="02020603050405020304" pitchFamily="18" charset="0"/>
-            </a:endParaRPr>
-          </a:p>
-          <a:p>
-            <a:pPr marL="0" indent="0">
-              <a:buNone/>
-            </a:pPr>
-            <a:r>
-              <a:rPr lang="ru-RU" sz="2000" dirty="0" smtClean="0">
-                <a:latin typeface="Times New Roman" panose="02020603050405020304" pitchFamily="18" charset="0"/>
-                <a:cs typeface="Times New Roman" panose="02020603050405020304" pitchFamily="18" charset="0"/>
-              </a:rPr>
-              <a:t>Приложение </a:t>
-            </a:r>
-            <a:r>
-              <a:rPr lang="ru-RU" sz="2000" dirty="0">
-                <a:latin typeface="Times New Roman" panose="02020603050405020304" pitchFamily="18" charset="0"/>
-                <a:cs typeface="Times New Roman" panose="02020603050405020304" pitchFamily="18" charset="0"/>
-              </a:rPr>
-              <a:t>должно иметь следующую структуру и функциональность: работать как веб-приложение основанное на </a:t>
-            </a:r>
-            <a:r>
-              <a:rPr lang="en-US" sz="2000" dirty="0">
-                <a:latin typeface="Times New Roman" panose="02020603050405020304" pitchFamily="18" charset="0"/>
-                <a:cs typeface="Times New Roman" panose="02020603050405020304" pitchFamily="18" charset="0"/>
-              </a:rPr>
-              <a:t>REST</a:t>
-            </a:r>
-            <a:r>
-              <a:rPr lang="ru-RU" sz="2000" dirty="0">
-                <a:latin typeface="Times New Roman" panose="02020603050405020304" pitchFamily="18" charset="0"/>
-                <a:cs typeface="Times New Roman" panose="02020603050405020304" pitchFamily="18" charset="0"/>
-              </a:rPr>
-              <a:t> архитектуре; являться кроссплатформенным; иметь принцип работы, аналогичный веб-приложениям (реализовывать </a:t>
-            </a:r>
-            <a:r>
-              <a:rPr lang="en-US" sz="2000" dirty="0">
-                <a:latin typeface="Times New Roman" panose="02020603050405020304" pitchFamily="18" charset="0"/>
-                <a:cs typeface="Times New Roman" panose="02020603050405020304" pitchFamily="18" charset="0"/>
-              </a:rPr>
-              <a:t>REST</a:t>
-            </a:r>
-            <a:r>
-              <a:rPr lang="ru-RU" sz="2000" dirty="0">
-                <a:latin typeface="Times New Roman" panose="02020603050405020304" pitchFamily="18" charset="0"/>
-                <a:cs typeface="Times New Roman" panose="02020603050405020304" pitchFamily="18" charset="0"/>
-              </a:rPr>
-              <a:t> архитектуру, быть доступным посредством веб-браузера, иметь пользовательский интерфейс);</a:t>
-            </a:r>
-            <a:endParaRPr lang="en-US" sz="2000" dirty="0">
-              <a:latin typeface="Times New Roman" panose="02020603050405020304" pitchFamily="18" charset="0"/>
-              <a:cs typeface="Times New Roman" panose="02020603050405020304" pitchFamily="18" charset="0"/>
-            </a:endParaRPr>
-          </a:p>
-        </p:txBody>
-      </p:sp>
-    </p:spTree>
-    <p:extLst>
-      <p:ext uri="{BB962C8B-B14F-4D97-AF65-F5344CB8AC3E}">
-        <p14:creationId xmlns:p14="http://schemas.microsoft.com/office/powerpoint/2010/main" val="2820893155"/>
-      </p:ext>
-    </p:extLst>
-  </p:cSld>
-  <p:clrMapOvr>
-    <a:masterClrMapping/>
-  </p:clrMapOvr>
-  <p:timing>
-    <p:tnLst>
-      <p:par>
-        <p:cTn id="1" dur="indefinite" restart="never" nodeType="tmRoot"/>
-      </p:par>
-    </p:tnLst>
-  </p:timing>
-</p:sld>
-</file>
-
-<file path=ppt/slides/slide3.xml><?xml version="1.0" encoding="utf-8"?>
-<p:sld xmlns:a="http://schemas.openxmlformats.org/drawingml/2006/main" xmlns:r="http://schemas.openxmlformats.org/officeDocument/2006/relationships" xmlns:p="http://schemas.openxmlformats.org/presentationml/2006/main">
-  <p:cSld>
-    <p:spTree>
-      <p:nvGrpSpPr>
-        <p:cNvPr id="1" name=""/>
-        <p:cNvGrpSpPr/>
-        <p:nvPr/>
-      </p:nvGrpSpPr>
-      <p:grpSpPr>
-        <a:xfrm>
-          <a:off x="0" y="0"/>
-          <a:ext cx="0" cy="0"/>
-          <a:chOff x="0" y="0"/>
-          <a:chExt cx="0" cy="0"/>
-        </a:xfrm>
-      </p:grpSpPr>
-      <p:sp>
-        <p:nvSpPr>
-          <p:cNvPr id="2" name="Заголовок 1"/>
-          <p:cNvSpPr>
-            <a:spLocks noGrp="1"/>
-          </p:cNvSpPr>
-          <p:nvPr>
-            <p:ph type="title"/>
-          </p:nvPr>
-        </p:nvSpPr>
-        <p:spPr/>
-        <p:txBody>
-          <a:bodyPr/>
-          <a:lstStyle/>
-          <a:p>
-            <a:r>
-              <a:rPr lang="ru-RU" dirty="0" smtClean="0"/>
-              <a:t>Плюсы и минусы </a:t>
-            </a:r>
-            <a:r>
-              <a:rPr lang="en-US" dirty="0" smtClean="0"/>
-              <a:t>Web-</a:t>
-            </a:r>
-            <a:r>
-              <a:rPr lang="ru-RU" dirty="0" smtClean="0"/>
-              <a:t>приложения</a:t>
-            </a:r>
-            <a:endParaRPr lang="en-US" dirty="0"/>
-          </a:p>
-        </p:txBody>
-      </p:sp>
-      <p:sp>
-        <p:nvSpPr>
-          <p:cNvPr id="3" name="Объект 2"/>
-          <p:cNvSpPr>
-            <a:spLocks noGrp="1"/>
-          </p:cNvSpPr>
-          <p:nvPr>
-            <p:ph idx="1"/>
-          </p:nvPr>
-        </p:nvSpPr>
-        <p:spPr/>
-        <p:txBody>
-          <a:bodyPr>
-            <a:normAutofit fontScale="92500" lnSpcReduction="20000"/>
-          </a:bodyPr>
-          <a:lstStyle/>
-          <a:p>
-            <a:pPr marL="0" indent="0">
-              <a:buNone/>
-            </a:pPr>
-            <a:r>
-              <a:rPr lang="ru-RU" dirty="0" smtClean="0"/>
-              <a:t>Плюсы ++</a:t>
-            </a:r>
-          </a:p>
-          <a:p>
-            <a:pPr marL="0" indent="0">
-              <a:buNone/>
-            </a:pPr>
-            <a:r>
-              <a:rPr lang="ru-RU" dirty="0" smtClean="0"/>
-              <a:t>Для запуска </a:t>
-            </a:r>
-            <a:r>
-              <a:rPr lang="en-US" dirty="0" smtClean="0"/>
-              <a:t>Web-</a:t>
-            </a:r>
-            <a:r>
-              <a:rPr lang="ru-RU" dirty="0" smtClean="0"/>
-              <a:t>приложение необходим только предустановленный браузер.</a:t>
-            </a:r>
-            <a:endParaRPr lang="en-US" dirty="0" smtClean="0"/>
-          </a:p>
-          <a:p>
-            <a:pPr marL="0" indent="0">
-              <a:buNone/>
-            </a:pPr>
-            <a:r>
-              <a:rPr lang="ru-RU" dirty="0"/>
-              <a:t>Пользователям не нужно посещать магазин приложений для загрузки или обновления веб-приложений, поскольку самая новая версия всегда загружается, когда пользователь обращается к веб-приложению.</a:t>
-            </a:r>
-          </a:p>
-          <a:p>
-            <a:pPr marL="0" indent="0">
-              <a:buNone/>
-            </a:pPr>
-            <a:endParaRPr lang="ru-RU" dirty="0"/>
-          </a:p>
-          <a:p>
-            <a:pPr marL="0" indent="0">
-              <a:buNone/>
-            </a:pPr>
-            <a:r>
-              <a:rPr lang="ru-RU" dirty="0" smtClean="0"/>
-              <a:t>Минусы –</a:t>
-            </a:r>
-          </a:p>
-          <a:p>
-            <a:pPr marL="0" indent="0">
-              <a:buNone/>
-            </a:pPr>
-            <a:r>
-              <a:rPr lang="ru-RU" dirty="0" smtClean="0"/>
-              <a:t>Необходимо подключение к системе Интернет (проводное или беспроводное)</a:t>
-            </a:r>
-            <a:endParaRPr lang="en-US" dirty="0" smtClean="0"/>
-          </a:p>
-          <a:p>
-            <a:pPr marL="0" indent="0">
-              <a:buNone/>
-            </a:pPr>
-            <a:r>
-              <a:rPr lang="ru-RU" dirty="0"/>
-              <a:t>В</a:t>
-            </a:r>
-            <a:r>
-              <a:rPr lang="ru-RU" dirty="0" smtClean="0"/>
-              <a:t>еб-приложения </a:t>
-            </a:r>
-            <a:r>
-              <a:rPr lang="ru-RU" dirty="0"/>
-              <a:t>имеют ограниченную область доступа к </a:t>
-            </a:r>
-            <a:r>
-              <a:rPr lang="ru-RU" dirty="0" smtClean="0"/>
-              <a:t>функциям устройства.</a:t>
-            </a:r>
-            <a:endParaRPr lang="ru-RU" dirty="0"/>
-          </a:p>
-          <a:p>
-            <a:pPr marL="0" indent="0">
-              <a:buNone/>
-            </a:pPr>
-            <a:endParaRPr lang="en-US" dirty="0"/>
-          </a:p>
-        </p:txBody>
-      </p:sp>
-    </p:spTree>
-    <p:extLst>
-      <p:ext uri="{BB962C8B-B14F-4D97-AF65-F5344CB8AC3E}">
-        <p14:creationId xmlns:p14="http://schemas.microsoft.com/office/powerpoint/2010/main" val="631602821"/>
-      </p:ext>
-    </p:extLst>
-  </p:cSld>
-  <p:clrMapOvr>
-    <a:masterClrMapping/>
-  </p:clrMapOvr>
-  <p:timing>
-    <p:tnLst>
-      <p:par>
-        <p:cTn id="1" dur="indefinite" restart="never" nodeType="tmRoot"/>
-      </p:par>
-    </p:tnLst>
-  </p:timing>
 </p:sld>
 </file>
 
@@ -4095,7 +4548,13 @@
       </p:grpSpPr>
       <p:sp>
         <p:nvSpPr>
-          <p:cNvPr id="2" name="Заголовок 1"/>
+          <p:cNvPr id="2" name="Заголовок 1">
+            <a:extLst>
+              <a:ext uri="{FF2B5EF4-FFF2-40B4-BE49-F238E27FC236}">
+                <a16:creationId xmlns:a16="http://schemas.microsoft.com/office/drawing/2014/main" id="{0E889EC3-70BE-4ABC-9F1F-89FD58C96D00}"/>
+              </a:ext>
+            </a:extLst>
+          </p:cNvPr>
           <p:cNvSpPr>
             <a:spLocks noGrp="1"/>
           </p:cNvSpPr>
@@ -4109,236 +4568,189 @@
           <a:lstStyle/>
           <a:p>
             <a:r>
-              <a:rPr lang="ru-RU" dirty="0" smtClean="0">
-                <a:latin typeface="Times New Roman" panose="02020603050405020304" pitchFamily="18" charset="0"/>
-                <a:cs typeface="Times New Roman" panose="02020603050405020304" pitchFamily="18" charset="0"/>
-              </a:rPr>
-              <a:t>Технологии</a:t>
-            </a:r>
-            <a:endParaRPr lang="en-US" dirty="0">
+              <a:rPr lang="ru-RU" dirty="0"/>
+              <a:t>Используемый стек</a:t>
+            </a:r>
+            <a:endParaRPr lang="ru-BY" dirty="0"/>
+          </a:p>
+        </p:txBody>
+      </p:sp>
+      <p:pic>
+        <p:nvPicPr>
+          <p:cNvPr id="4" name="Объект 3">
+            <a:extLst>
+              <a:ext uri="{FF2B5EF4-FFF2-40B4-BE49-F238E27FC236}">
+                <a16:creationId xmlns:a16="http://schemas.microsoft.com/office/drawing/2014/main" id="{B2DCD273-978A-4773-820D-C110D8BC34FE}"/>
+              </a:ext>
+            </a:extLst>
+          </p:cNvPr>
+          <p:cNvPicPr>
+            <a:picLocks noGrp="1"/>
+          </p:cNvPicPr>
+          <p:nvPr>
+            <p:ph idx="1"/>
+          </p:nvPr>
+        </p:nvPicPr>
+        <p:blipFill>
+          <a:blip r:embed="rId2"/>
+          <a:stretch>
+            <a:fillRect/>
+          </a:stretch>
+        </p:blipFill>
+        <p:spPr>
+          <a:xfrm>
+            <a:off x="4942115" y="1841862"/>
+            <a:ext cx="7249885" cy="4062549"/>
+          </a:xfrm>
+          <a:prstGeom prst="rect">
+            <a:avLst/>
+          </a:prstGeom>
+        </p:spPr>
+      </p:pic>
+      <p:sp>
+        <p:nvSpPr>
+          <p:cNvPr id="5" name="TextBox 4">
+            <a:extLst>
+              <a:ext uri="{FF2B5EF4-FFF2-40B4-BE49-F238E27FC236}">
+                <a16:creationId xmlns:a16="http://schemas.microsoft.com/office/drawing/2014/main" id="{D9D958F3-0925-4136-A0BE-3868BADE2833}"/>
+              </a:ext>
+            </a:extLst>
+          </p:cNvPr>
+          <p:cNvSpPr txBox="1"/>
+          <p:nvPr/>
+        </p:nvSpPr>
+        <p:spPr>
+          <a:xfrm>
+            <a:off x="2495005" y="3088306"/>
+            <a:ext cx="2808514" cy="1569660"/>
+          </a:xfrm>
+          <a:prstGeom prst="rect">
+            <a:avLst/>
+          </a:prstGeom>
+          <a:noFill/>
+        </p:spPr>
+        <p:txBody>
+          <a:bodyPr wrap="square" rtlCol="0">
+            <a:spAutoFit/>
+          </a:bodyPr>
+          <a:lstStyle/>
+          <a:p>
+            <a:pPr marL="342900" indent="-342900">
+              <a:buFont typeface="Arial" panose="020B0604020202020204" pitchFamily="34" charset="0"/>
+              <a:buChar char="•"/>
+            </a:pPr>
+            <a:r>
+              <a:rPr lang="en-US" sz="2400" dirty="0" err="1"/>
+              <a:t>MongoDb</a:t>
+            </a:r>
+            <a:endParaRPr lang="en-US" sz="2400" dirty="0"/>
+          </a:p>
+          <a:p>
+            <a:pPr marL="342900" indent="-342900">
+              <a:buFont typeface="Arial" panose="020B0604020202020204" pitchFamily="34" charset="0"/>
+              <a:buChar char="•"/>
+            </a:pPr>
+            <a:r>
+              <a:rPr lang="en-US" sz="2400" dirty="0"/>
+              <a:t>Express</a:t>
+            </a:r>
+          </a:p>
+          <a:p>
+            <a:pPr marL="342900" indent="-342900">
+              <a:buFont typeface="Arial" panose="020B0604020202020204" pitchFamily="34" charset="0"/>
+              <a:buChar char="•"/>
+            </a:pPr>
+            <a:r>
+              <a:rPr lang="en-US" sz="2400" dirty="0"/>
+              <a:t>React</a:t>
+            </a:r>
+          </a:p>
+          <a:p>
+            <a:pPr marL="342900" indent="-342900">
+              <a:buFont typeface="Arial" panose="020B0604020202020204" pitchFamily="34" charset="0"/>
+              <a:buChar char="•"/>
+            </a:pPr>
+            <a:r>
+              <a:rPr lang="en-US" sz="2400" dirty="0" err="1"/>
+              <a:t>NodeJs</a:t>
+            </a:r>
+            <a:endParaRPr lang="ru-BY" sz="2400" dirty="0"/>
+          </a:p>
+        </p:txBody>
+      </p:sp>
+      <p:sp>
+        <p:nvSpPr>
+          <p:cNvPr id="6" name="TextBox 5">
+            <a:extLst>
+              <a:ext uri="{FF2B5EF4-FFF2-40B4-BE49-F238E27FC236}">
+                <a16:creationId xmlns:a16="http://schemas.microsoft.com/office/drawing/2014/main" id="{76B6F734-0DB7-453C-873C-29FA5A81C86A}"/>
+              </a:ext>
+            </a:extLst>
+          </p:cNvPr>
+          <p:cNvSpPr txBox="1"/>
+          <p:nvPr/>
+        </p:nvSpPr>
+        <p:spPr>
+          <a:xfrm>
+            <a:off x="1459956" y="5058015"/>
+            <a:ext cx="3233067" cy="1200329"/>
+          </a:xfrm>
+          <a:prstGeom prst="rect">
+            <a:avLst/>
+          </a:prstGeom>
+          <a:noFill/>
+        </p:spPr>
+        <p:txBody>
+          <a:bodyPr wrap="square" rtlCol="0">
+            <a:spAutoFit/>
+          </a:bodyPr>
+          <a:lstStyle/>
+          <a:p>
+            <a:r>
+              <a:rPr lang="ru-RU" sz="1800" dirty="0">
+                <a:effectLst/>
+                <a:latin typeface="Times New Roman" panose="02020603050405020304" pitchFamily="18" charset="0"/>
+                <a:ea typeface="Times New Roman" panose="02020603050405020304" pitchFamily="18" charset="0"/>
+              </a:rPr>
+              <a:t>В основе этих фреймворков и библиотек находится язык программирования </a:t>
+            </a:r>
+            <a:r>
+              <a:rPr lang="en-US" sz="1800" dirty="0">
+                <a:effectLst/>
+                <a:latin typeface="Times New Roman" panose="02020603050405020304" pitchFamily="18" charset="0"/>
+                <a:ea typeface="Times New Roman" panose="02020603050405020304" pitchFamily="18" charset="0"/>
+              </a:rPr>
+              <a:t>JavaScript</a:t>
+            </a:r>
+            <a:r>
+              <a:rPr lang="ru-RU" sz="1800" dirty="0">
+                <a:effectLst/>
+                <a:latin typeface="Times New Roman" panose="02020603050405020304" pitchFamily="18" charset="0"/>
+                <a:ea typeface="Times New Roman" panose="02020603050405020304" pitchFamily="18" charset="0"/>
+              </a:rPr>
+              <a:t>.</a:t>
+            </a:r>
+            <a:endParaRPr lang="ru-BY" sz="1800" dirty="0">
+              <a:effectLst/>
               <a:latin typeface="Times New Roman" panose="02020603050405020304" pitchFamily="18" charset="0"/>
-              <a:cs typeface="Times New Roman" panose="02020603050405020304" pitchFamily="18" charset="0"/>
+              <a:ea typeface="Times New Roman" panose="02020603050405020304" pitchFamily="18" charset="0"/>
             </a:endParaRPr>
           </a:p>
-        </p:txBody>
-      </p:sp>
-      <p:sp>
-        <p:nvSpPr>
-          <p:cNvPr id="3" name="Объект 2"/>
-          <p:cNvSpPr>
-            <a:spLocks noGrp="1"/>
-          </p:cNvSpPr>
-          <p:nvPr>
-            <p:ph idx="1"/>
-          </p:nvPr>
-        </p:nvSpPr>
-        <p:spPr/>
-        <p:txBody>
-          <a:bodyPr/>
-          <a:lstStyle/>
-          <a:p>
-            <a:pPr marL="0" indent="0">
-              <a:buNone/>
-            </a:pPr>
-            <a:r>
-              <a:rPr lang="ru-RU" dirty="0" smtClean="0">
-                <a:latin typeface="Times New Roman" panose="02020603050405020304" pitchFamily="18" charset="0"/>
-                <a:cs typeface="Times New Roman" panose="02020603050405020304" pitchFamily="18" charset="0"/>
-              </a:rPr>
-              <a:t>Разрабатываемый программный комплекс представляет </a:t>
-            </a:r>
-            <a:r>
-              <a:rPr lang="en-US" dirty="0" smtClean="0">
-                <a:latin typeface="Times New Roman" panose="02020603050405020304" pitchFamily="18" charset="0"/>
-                <a:cs typeface="Times New Roman" panose="02020603050405020304" pitchFamily="18" charset="0"/>
-              </a:rPr>
-              <a:t>WEB-</a:t>
-            </a:r>
-            <a:r>
-              <a:rPr lang="ru-RU" dirty="0" smtClean="0">
-                <a:latin typeface="Times New Roman" panose="02020603050405020304" pitchFamily="18" charset="0"/>
-                <a:cs typeface="Times New Roman" panose="02020603050405020304" pitchFamily="18" charset="0"/>
-              </a:rPr>
-              <a:t>приложения, которое подразделяется на </a:t>
-            </a:r>
-            <a:r>
-              <a:rPr lang="en-US" dirty="0" smtClean="0">
-                <a:latin typeface="Times New Roman" panose="02020603050405020304" pitchFamily="18" charset="0"/>
-                <a:cs typeface="Times New Roman" panose="02020603050405020304" pitchFamily="18" charset="0"/>
-              </a:rPr>
-              <a:t>frontend </a:t>
-            </a:r>
-            <a:r>
-              <a:rPr lang="ru-RU" dirty="0" smtClean="0">
-                <a:latin typeface="Times New Roman" panose="02020603050405020304" pitchFamily="18" charset="0"/>
-                <a:cs typeface="Times New Roman" panose="02020603050405020304" pitchFamily="18" charset="0"/>
-              </a:rPr>
-              <a:t>и </a:t>
-            </a:r>
-            <a:r>
-              <a:rPr lang="en-US" dirty="0" smtClean="0">
-                <a:latin typeface="Times New Roman" panose="02020603050405020304" pitchFamily="18" charset="0"/>
-                <a:cs typeface="Times New Roman" panose="02020603050405020304" pitchFamily="18" charset="0"/>
-              </a:rPr>
-              <a:t>backend </a:t>
-            </a:r>
-            <a:r>
-              <a:rPr lang="ru-RU" dirty="0" smtClean="0">
-                <a:latin typeface="Times New Roman" panose="02020603050405020304" pitchFamily="18" charset="0"/>
-                <a:cs typeface="Times New Roman" panose="02020603050405020304" pitchFamily="18" charset="0"/>
-              </a:rPr>
-              <a:t>часть.</a:t>
-            </a:r>
-          </a:p>
-          <a:p>
-            <a:pPr marL="0" indent="0">
-              <a:buNone/>
-            </a:pPr>
-            <a:r>
-              <a:rPr lang="en-US" dirty="0" smtClean="0">
-                <a:latin typeface="Times New Roman" panose="02020603050405020304" pitchFamily="18" charset="0"/>
-                <a:cs typeface="Times New Roman" panose="02020603050405020304" pitchFamily="18" charset="0"/>
-              </a:rPr>
-              <a:t>Frontend </a:t>
-            </a:r>
-            <a:r>
-              <a:rPr lang="ru-RU" dirty="0" smtClean="0">
-                <a:latin typeface="Times New Roman" panose="02020603050405020304" pitchFamily="18" charset="0"/>
-                <a:cs typeface="Times New Roman" panose="02020603050405020304" pitchFamily="18" charset="0"/>
-              </a:rPr>
-              <a:t>часть:</a:t>
-            </a:r>
-          </a:p>
-          <a:p>
-            <a:r>
-              <a:rPr lang="en-US" dirty="0" smtClean="0">
-                <a:latin typeface="Times New Roman" panose="02020603050405020304" pitchFamily="18" charset="0"/>
-                <a:cs typeface="Times New Roman" panose="02020603050405020304" pitchFamily="18" charset="0"/>
-              </a:rPr>
-              <a:t>JavaScript – </a:t>
-            </a:r>
-            <a:r>
-              <a:rPr lang="ru-RU" dirty="0" smtClean="0">
-                <a:latin typeface="Times New Roman" panose="02020603050405020304" pitchFamily="18" charset="0"/>
-                <a:cs typeface="Times New Roman" panose="02020603050405020304" pitchFamily="18" charset="0"/>
-              </a:rPr>
-              <a:t>для </a:t>
-            </a:r>
-            <a:r>
-              <a:rPr lang="ru-RU" dirty="0" err="1" smtClean="0">
-                <a:latin typeface="Times New Roman" panose="02020603050405020304" pitchFamily="18" charset="0"/>
-                <a:cs typeface="Times New Roman" panose="02020603050405020304" pitchFamily="18" charset="0"/>
-              </a:rPr>
-              <a:t>валидации</a:t>
-            </a:r>
-            <a:r>
-              <a:rPr lang="ru-RU" dirty="0" smtClean="0">
-                <a:latin typeface="Times New Roman" panose="02020603050405020304" pitchFamily="18" charset="0"/>
-                <a:cs typeface="Times New Roman" panose="02020603050405020304" pitchFamily="18" charset="0"/>
-              </a:rPr>
-              <a:t> и отправки запросов</a:t>
-            </a:r>
-            <a:endParaRPr lang="en-US" dirty="0" smtClean="0">
-              <a:latin typeface="Times New Roman" panose="02020603050405020304" pitchFamily="18" charset="0"/>
-              <a:cs typeface="Times New Roman" panose="02020603050405020304" pitchFamily="18" charset="0"/>
-            </a:endParaRPr>
-          </a:p>
-          <a:p>
-            <a:r>
-              <a:rPr lang="en-US" dirty="0" smtClean="0">
-                <a:latin typeface="Times New Roman" panose="02020603050405020304" pitchFamily="18" charset="0"/>
-                <a:cs typeface="Times New Roman" panose="02020603050405020304" pitchFamily="18" charset="0"/>
-              </a:rPr>
-              <a:t>React</a:t>
-            </a:r>
-            <a:r>
-              <a:rPr lang="ru-RU" dirty="0" smtClean="0">
-                <a:latin typeface="Times New Roman" panose="02020603050405020304" pitchFamily="18" charset="0"/>
-                <a:cs typeface="Times New Roman" panose="02020603050405020304" pitchFamily="18" charset="0"/>
-              </a:rPr>
-              <a:t> – компонентная библиотека для быстрой разработки пользовательского интерфейса</a:t>
-            </a:r>
-            <a:endParaRPr lang="en-US" dirty="0" smtClean="0">
-              <a:latin typeface="Times New Roman" panose="02020603050405020304" pitchFamily="18" charset="0"/>
-              <a:cs typeface="Times New Roman" panose="02020603050405020304" pitchFamily="18" charset="0"/>
-            </a:endParaRPr>
-          </a:p>
-          <a:p>
-            <a:r>
-              <a:rPr lang="en-US" dirty="0" err="1" smtClean="0">
-                <a:latin typeface="Times New Roman" panose="02020603050405020304" pitchFamily="18" charset="0"/>
-                <a:cs typeface="Times New Roman" panose="02020603050405020304" pitchFamily="18" charset="0"/>
-              </a:rPr>
-              <a:t>Redux</a:t>
-            </a:r>
-            <a:r>
-              <a:rPr lang="ru-RU" dirty="0" smtClean="0">
-                <a:latin typeface="Times New Roman" panose="02020603050405020304" pitchFamily="18" charset="0"/>
-                <a:cs typeface="Times New Roman" panose="02020603050405020304" pitchFamily="18" charset="0"/>
-              </a:rPr>
-              <a:t> – библиотека для хранения </a:t>
-            </a:r>
-            <a:r>
-              <a:rPr lang="ru-RU" dirty="0" smtClean="0">
-                <a:latin typeface="Times New Roman" panose="02020603050405020304" pitchFamily="18" charset="0"/>
-                <a:cs typeface="Times New Roman" panose="02020603050405020304" pitchFamily="18" charset="0"/>
-              </a:rPr>
-              <a:t>внутреннего </a:t>
-            </a:r>
-            <a:r>
-              <a:rPr lang="ru-RU" dirty="0" smtClean="0">
-                <a:latin typeface="Times New Roman" panose="02020603050405020304" pitchFamily="18" charset="0"/>
-                <a:cs typeface="Times New Roman" panose="02020603050405020304" pitchFamily="18" charset="0"/>
-              </a:rPr>
-              <a:t>состояния </a:t>
-            </a:r>
-            <a:r>
-              <a:rPr lang="ru-RU" dirty="0" smtClean="0">
-                <a:latin typeface="Times New Roman" panose="02020603050405020304" pitchFamily="18" charset="0"/>
-                <a:cs typeface="Times New Roman" panose="02020603050405020304" pitchFamily="18" charset="0"/>
-              </a:rPr>
-              <a:t>приложения</a:t>
-            </a:r>
-          </a:p>
-          <a:p>
-            <a:r>
-              <a:rPr lang="en-US" dirty="0" smtClean="0">
-                <a:latin typeface="Times New Roman" panose="02020603050405020304" pitchFamily="18" charset="0"/>
-                <a:cs typeface="Times New Roman" panose="02020603050405020304" pitchFamily="18" charset="0"/>
-              </a:rPr>
-              <a:t>Bootstrap – </a:t>
-            </a:r>
-            <a:r>
-              <a:rPr lang="ru-RU" dirty="0" smtClean="0">
-                <a:latin typeface="Times New Roman" panose="02020603050405020304" pitchFamily="18" charset="0"/>
-                <a:cs typeface="Times New Roman" panose="02020603050405020304" pitchFamily="18" charset="0"/>
-              </a:rPr>
-              <a:t>библиотека для стилей</a:t>
-            </a:r>
-            <a:endParaRPr lang="en-US" dirty="0">
-              <a:latin typeface="Times New Roman" panose="02020603050405020304" pitchFamily="18" charset="0"/>
-              <a:cs typeface="Times New Roman" panose="02020603050405020304" pitchFamily="18" charset="0"/>
-            </a:endParaRPr>
+          <a:p>
+            <a:endParaRPr lang="ru-BY" dirty="0"/>
           </a:p>
         </p:txBody>
       </p:sp>
     </p:spTree>
     <p:extLst>
       <p:ext uri="{BB962C8B-B14F-4D97-AF65-F5344CB8AC3E}">
-        <p14:creationId xmlns:p14="http://schemas.microsoft.com/office/powerpoint/2010/main" val="392560280"/>
+        <p14:creationId xmlns:p14="http://schemas.microsoft.com/office/powerpoint/2010/main" val="2122191130"/>
       </p:ext>
     </p:extLst>
   </p:cSld>
   <p:clrMapOvr>
     <a:masterClrMapping/>
   </p:clrMapOvr>
-  <p:timing>
-    <p:tnLst>
-      <p:par>
-        <p:cTn id="1" dur="indefinite" restart="never" nodeType="tmRoot"/>
-      </p:par>
-    </p:tnLst>
-  </p:timing>
 </p:sld>
 </file>
 
@@ -4375,7 +4787,7 @@
           <a:lstStyle/>
           <a:p>
             <a:r>
-              <a:rPr lang="ru-RU" dirty="0" smtClean="0">
+              <a:rPr lang="ru-RU" dirty="0">
                 <a:latin typeface="Times New Roman" panose="02020603050405020304" pitchFamily="18" charset="0"/>
                 <a:cs typeface="Times New Roman" panose="02020603050405020304" pitchFamily="18" charset="0"/>
               </a:rPr>
@@ -4398,12 +4810,7 @@
             <p:ph idx="1"/>
           </p:nvPr>
         </p:nvSpPr>
-        <p:spPr>
-          <a:xfrm>
-            <a:off x="838200" y="1800225"/>
-            <a:ext cx="10515600" cy="4351338"/>
-          </a:xfrm>
-        </p:spPr>
+        <p:spPr/>
         <p:txBody>
           <a:bodyPr/>
           <a:lstStyle/>
@@ -4412,237 +4819,176 @@
               <a:buNone/>
             </a:pPr>
             <a:r>
-              <a:rPr lang="en-US" dirty="0" smtClean="0">
+              <a:rPr lang="ru-RU" dirty="0">
                 <a:latin typeface="Times New Roman" panose="02020603050405020304" pitchFamily="18" charset="0"/>
                 <a:cs typeface="Times New Roman" panose="02020603050405020304" pitchFamily="18" charset="0"/>
               </a:rPr>
-              <a:t>Backend</a:t>
-            </a:r>
-          </a:p>
-          <a:p>
-            <a:r>
-              <a:rPr lang="en-US" dirty="0" smtClean="0">
+              <a:t>Разрабатываемый программный комплекс представляет </a:t>
+            </a:r>
+            <a:r>
+              <a:rPr lang="en-US" dirty="0">
                 <a:latin typeface="Times New Roman" panose="02020603050405020304" pitchFamily="18" charset="0"/>
                 <a:cs typeface="Times New Roman" panose="02020603050405020304" pitchFamily="18" charset="0"/>
               </a:rPr>
-              <a:t>Typescript – </a:t>
-            </a:r>
-            <a:r>
-              <a:rPr lang="ru-RU" dirty="0" smtClean="0">
+              <a:t>WEB-</a:t>
+            </a:r>
+            <a:r>
+              <a:rPr lang="ru-RU" dirty="0">
                 <a:latin typeface="Times New Roman" panose="02020603050405020304" pitchFamily="18" charset="0"/>
                 <a:cs typeface="Times New Roman" panose="02020603050405020304" pitchFamily="18" charset="0"/>
               </a:rPr>
-              <a:t>типизированный </a:t>
-            </a:r>
-            <a:r>
-              <a:rPr lang="en-US" dirty="0" err="1" smtClean="0">
+              <a:t>приложения, которое подразделяется на </a:t>
+            </a:r>
+            <a:r>
+              <a:rPr lang="en-US" dirty="0">
                 <a:latin typeface="Times New Roman" panose="02020603050405020304" pitchFamily="18" charset="0"/>
                 <a:cs typeface="Times New Roman" panose="02020603050405020304" pitchFamily="18" charset="0"/>
               </a:rPr>
-              <a:t>Javascript</a:t>
-            </a:r>
-            <a:endParaRPr lang="en-US" dirty="0" smtClean="0">
+              <a:t>frontend </a:t>
+            </a:r>
+            <a:r>
+              <a:rPr lang="ru-RU" dirty="0">
+                <a:latin typeface="Times New Roman" panose="02020603050405020304" pitchFamily="18" charset="0"/>
+                <a:cs typeface="Times New Roman" panose="02020603050405020304" pitchFamily="18" charset="0"/>
+              </a:rPr>
+              <a:t>и </a:t>
+            </a:r>
+            <a:r>
+              <a:rPr lang="en-US" dirty="0">
+                <a:latin typeface="Times New Roman" panose="02020603050405020304" pitchFamily="18" charset="0"/>
+                <a:cs typeface="Times New Roman" panose="02020603050405020304" pitchFamily="18" charset="0"/>
+              </a:rPr>
+              <a:t>backend </a:t>
+            </a:r>
+            <a:r>
+              <a:rPr lang="ru-RU" dirty="0">
+                <a:latin typeface="Times New Roman" panose="02020603050405020304" pitchFamily="18" charset="0"/>
+                <a:cs typeface="Times New Roman" panose="02020603050405020304" pitchFamily="18" charset="0"/>
+              </a:rPr>
+              <a:t>часть.</a:t>
+            </a:r>
+          </a:p>
+          <a:p>
+            <a:pPr marL="0" indent="0">
+              <a:buNone/>
+            </a:pPr>
+            <a:r>
+              <a:rPr lang="en-US" dirty="0">
+                <a:latin typeface="Times New Roman" panose="02020603050405020304" pitchFamily="18" charset="0"/>
+                <a:cs typeface="Times New Roman" panose="02020603050405020304" pitchFamily="18" charset="0"/>
+              </a:rPr>
+              <a:t>Frontend </a:t>
+            </a:r>
+            <a:r>
+              <a:rPr lang="ru-RU" dirty="0">
+                <a:latin typeface="Times New Roman" panose="02020603050405020304" pitchFamily="18" charset="0"/>
+                <a:cs typeface="Times New Roman" panose="02020603050405020304" pitchFamily="18" charset="0"/>
+              </a:rPr>
+              <a:t>часть:</a:t>
+            </a:r>
+          </a:p>
+          <a:p>
+            <a:r>
+              <a:rPr lang="en-US" dirty="0">
+                <a:latin typeface="Times New Roman" panose="02020603050405020304" pitchFamily="18" charset="0"/>
+                <a:cs typeface="Times New Roman" panose="02020603050405020304" pitchFamily="18" charset="0"/>
+              </a:rPr>
+              <a:t>JavaScript – </a:t>
+            </a:r>
+            <a:r>
+              <a:rPr lang="ru-RU" dirty="0">
+                <a:latin typeface="Times New Roman" panose="02020603050405020304" pitchFamily="18" charset="0"/>
+                <a:cs typeface="Times New Roman" panose="02020603050405020304" pitchFamily="18" charset="0"/>
+              </a:rPr>
+              <a:t>для </a:t>
+            </a:r>
+            <a:r>
+              <a:rPr lang="ru-RU" dirty="0" err="1">
+                <a:latin typeface="Times New Roman" panose="02020603050405020304" pitchFamily="18" charset="0"/>
+                <a:cs typeface="Times New Roman" panose="02020603050405020304" pitchFamily="18" charset="0"/>
+              </a:rPr>
+              <a:t>валидации</a:t>
+            </a:r>
+            <a:r>
+              <a:rPr lang="ru-RU" dirty="0">
+                <a:latin typeface="Times New Roman" panose="02020603050405020304" pitchFamily="18" charset="0"/>
+                <a:cs typeface="Times New Roman" panose="02020603050405020304" pitchFamily="18" charset="0"/>
+              </a:rPr>
+              <a:t> и отправки запросов</a:t>
+            </a:r>
+            <a:endParaRPr lang="en-US" dirty="0">
               <a:latin typeface="Times New Roman" panose="02020603050405020304" pitchFamily="18" charset="0"/>
               <a:cs typeface="Times New Roman" panose="02020603050405020304" pitchFamily="18" charset="0"/>
             </a:endParaRPr>
           </a:p>
           <a:p>
             <a:r>
-              <a:rPr lang="en-US" dirty="0" smtClean="0">
+              <a:rPr lang="en-US" dirty="0">
                 <a:latin typeface="Times New Roman" panose="02020603050405020304" pitchFamily="18" charset="0"/>
                 <a:cs typeface="Times New Roman" panose="02020603050405020304" pitchFamily="18" charset="0"/>
               </a:rPr>
-              <a:t>Express – </a:t>
-            </a:r>
-            <a:r>
-              <a:rPr lang="ru-RU" dirty="0" smtClean="0">
+              <a:t>React</a:t>
+            </a:r>
+            <a:r>
+              <a:rPr lang="ru-RU" dirty="0">
                 <a:latin typeface="Times New Roman" panose="02020603050405020304" pitchFamily="18" charset="0"/>
                 <a:cs typeface="Times New Roman" panose="02020603050405020304" pitchFamily="18" charset="0"/>
               </a:rPr>
-              <a:t>библиотека для создания путей запроса</a:t>
-            </a:r>
-            <a:endParaRPr lang="en-US" dirty="0" smtClean="0">
+              <a:t> – компонентная библиотека для быстрой разработки пользовательского интерфейса</a:t>
+            </a:r>
+            <a:endParaRPr lang="en-US" dirty="0">
               <a:latin typeface="Times New Roman" panose="02020603050405020304" pitchFamily="18" charset="0"/>
               <a:cs typeface="Times New Roman" panose="02020603050405020304" pitchFamily="18" charset="0"/>
             </a:endParaRPr>
           </a:p>
           <a:p>
             <a:r>
-              <a:rPr lang="en-US" dirty="0" smtClean="0">
+              <a:rPr lang="en-US" dirty="0" err="1">
                 <a:latin typeface="Times New Roman" panose="02020603050405020304" pitchFamily="18" charset="0"/>
                 <a:cs typeface="Times New Roman" panose="02020603050405020304" pitchFamily="18" charset="0"/>
               </a:rPr>
-              <a:t>Mongoose – </a:t>
-            </a:r>
-            <a:r>
-              <a:rPr lang="ru-RU" dirty="0" smtClean="0">
+              <a:t>Redux</a:t>
+            </a:r>
+            <a:r>
+              <a:rPr lang="ru-RU" dirty="0">
                 <a:latin typeface="Times New Roman" panose="02020603050405020304" pitchFamily="18" charset="0"/>
                 <a:cs typeface="Times New Roman" panose="02020603050405020304" pitchFamily="18" charset="0"/>
               </a:rPr>
-              <a:t>провайдер для базы данных </a:t>
-            </a:r>
-            <a:r>
-              <a:rPr lang="en-US" dirty="0" err="1" smtClean="0">
+              <a:t> – библиотека для хранения внутреннего состояния приложения</a:t>
+            </a:r>
+          </a:p>
+          <a:p>
+            <a:r>
+              <a:rPr lang="en-US" dirty="0">
                 <a:latin typeface="Times New Roman" panose="02020603050405020304" pitchFamily="18" charset="0"/>
                 <a:cs typeface="Times New Roman" panose="02020603050405020304" pitchFamily="18" charset="0"/>
               </a:rPr>
-              <a:t>MongoDb</a:t>
-            </a:r>
-            <a:endParaRPr lang="en-US" dirty="0" smtClean="0">
+              <a:t>Bootstrap – </a:t>
+            </a:r>
+            <a:r>
+              <a:rPr lang="ru-RU" dirty="0">
+                <a:latin typeface="Times New Roman" panose="02020603050405020304" pitchFamily="18" charset="0"/>
+                <a:cs typeface="Times New Roman" panose="02020603050405020304" pitchFamily="18" charset="0"/>
+              </a:rPr>
+              <a:t>библиотека для стилей</a:t>
+            </a:r>
+            <a:endParaRPr lang="en-US" dirty="0">
               <a:latin typeface="Times New Roman" panose="02020603050405020304" pitchFamily="18" charset="0"/>
               <a:cs typeface="Times New Roman" panose="02020603050405020304" pitchFamily="18" charset="0"/>
             </a:endParaRPr>
           </a:p>
-          <a:p>
-            <a:r>
-              <a:rPr lang="ru-RU" dirty="0" smtClean="0">
-                <a:latin typeface="Times New Roman" panose="02020603050405020304" pitchFamily="18" charset="0"/>
-                <a:cs typeface="Times New Roman" panose="02020603050405020304" pitchFamily="18" charset="0"/>
-              </a:rPr>
-              <a:t>Е</a:t>
-            </a:r>
-            <a:r>
-              <a:rPr lang="en-US" dirty="0" err="1" smtClean="0">
-                <a:latin typeface="Times New Roman" panose="02020603050405020304" pitchFamily="18" charset="0"/>
-                <a:cs typeface="Times New Roman" panose="02020603050405020304" pitchFamily="18" charset="0"/>
-              </a:rPr>
-              <a:t>xpress</a:t>
-            </a:r>
-            <a:r>
-              <a:rPr lang="en-US" dirty="0" smtClean="0">
-                <a:latin typeface="Times New Roman" panose="02020603050405020304" pitchFamily="18" charset="0"/>
-                <a:cs typeface="Times New Roman" panose="02020603050405020304" pitchFamily="18" charset="0"/>
-              </a:rPr>
-              <a:t>-validator</a:t>
-            </a:r>
-            <a:r>
-              <a:rPr lang="ru-RU" dirty="0" smtClean="0">
-                <a:latin typeface="Times New Roman" panose="02020603050405020304" pitchFamily="18" charset="0"/>
-                <a:cs typeface="Times New Roman" panose="02020603050405020304" pitchFamily="18" charset="0"/>
-              </a:rPr>
-              <a:t> – библиотека для </a:t>
-            </a:r>
-            <a:r>
-              <a:rPr lang="ru-RU" dirty="0" err="1" smtClean="0">
-                <a:latin typeface="Times New Roman" panose="02020603050405020304" pitchFamily="18" charset="0"/>
-                <a:cs typeface="Times New Roman" panose="02020603050405020304" pitchFamily="18" charset="0"/>
-              </a:rPr>
-              <a:t>валидации</a:t>
-            </a:r>
-            <a:r>
-              <a:rPr lang="ru-RU" dirty="0" smtClean="0">
-                <a:latin typeface="Times New Roman" panose="02020603050405020304" pitchFamily="18" charset="0"/>
-                <a:cs typeface="Times New Roman" panose="02020603050405020304" pitchFamily="18" charset="0"/>
-              </a:rPr>
-              <a:t> данных на </a:t>
-            </a:r>
-            <a:r>
-              <a:rPr lang="ru-RU" dirty="0" smtClean="0">
-                <a:latin typeface="Times New Roman" panose="02020603050405020304" pitchFamily="18" charset="0"/>
-                <a:cs typeface="Times New Roman" panose="02020603050405020304" pitchFamily="18" charset="0"/>
-              </a:rPr>
-              <a:t>сервере</a:t>
-            </a:r>
-          </a:p>
-          <a:p>
-            <a:r>
-              <a:rPr lang="en-US" dirty="0" err="1" smtClean="0">
-                <a:latin typeface="Times New Roman" panose="02020603050405020304" pitchFamily="18" charset="0"/>
-                <a:cs typeface="Times New Roman" panose="02020603050405020304" pitchFamily="18" charset="0"/>
-              </a:rPr>
-              <a:t>Websocket</a:t>
-            </a:r>
-            <a:r>
-              <a:rPr lang="en-US" dirty="0" smtClean="0">
-                <a:latin typeface="Times New Roman" panose="02020603050405020304" pitchFamily="18" charset="0"/>
-                <a:cs typeface="Times New Roman" panose="02020603050405020304" pitchFamily="18" charset="0"/>
-              </a:rPr>
-              <a:t> – </a:t>
-            </a:r>
-            <a:r>
-              <a:rPr lang="ru-RU" dirty="0" smtClean="0">
-                <a:latin typeface="Times New Roman" panose="02020603050405020304" pitchFamily="18" charset="0"/>
-                <a:cs typeface="Times New Roman" panose="02020603050405020304" pitchFamily="18" charset="0"/>
-              </a:rPr>
-              <a:t>для долгосрочного подключения пользователей</a:t>
-            </a:r>
-            <a:endParaRPr lang="ru-RU" dirty="0" smtClean="0">
-              <a:latin typeface="Times New Roman" panose="02020603050405020304" pitchFamily="18" charset="0"/>
-              <a:cs typeface="Times New Roman" panose="02020603050405020304" pitchFamily="18" charset="0"/>
-            </a:endParaRPr>
-          </a:p>
-          <a:p>
-            <a:pPr marL="0" indent="0">
-              <a:buNone/>
-            </a:pPr>
-            <a:r>
-              <a:rPr lang="ru-RU" dirty="0" smtClean="0">
-                <a:latin typeface="Times New Roman" panose="02020603050405020304" pitchFamily="18" charset="0"/>
-                <a:cs typeface="Times New Roman" panose="02020603050405020304" pitchFamily="18" charset="0"/>
-              </a:rPr>
-              <a:t>Тестирование</a:t>
-            </a:r>
-          </a:p>
-          <a:p>
-            <a:r>
-              <a:rPr lang="en-US" dirty="0" smtClean="0">
-                <a:latin typeface="Times New Roman" panose="02020603050405020304" pitchFamily="18" charset="0"/>
-                <a:cs typeface="Times New Roman" panose="02020603050405020304" pitchFamily="18" charset="0"/>
-              </a:rPr>
-              <a:t>Jest – </a:t>
-            </a:r>
-            <a:r>
-              <a:rPr lang="ru-RU" dirty="0" smtClean="0">
-                <a:latin typeface="Times New Roman" panose="02020603050405020304" pitchFamily="18" charset="0"/>
-                <a:cs typeface="Times New Roman" panose="02020603050405020304" pitchFamily="18" charset="0"/>
-              </a:rPr>
-              <a:t>библиотека на </a:t>
-            </a:r>
-            <a:r>
-              <a:rPr lang="en-US" dirty="0" err="1" smtClean="0">
-                <a:latin typeface="Times New Roman" panose="02020603050405020304" pitchFamily="18" charset="0"/>
-                <a:cs typeface="Times New Roman" panose="02020603050405020304" pitchFamily="18" charset="0"/>
-              </a:rPr>
-              <a:t>javascript</a:t>
-            </a:r>
-            <a:r>
-              <a:rPr lang="en-US" dirty="0" smtClean="0">
-                <a:latin typeface="Times New Roman" panose="02020603050405020304" pitchFamily="18" charset="0"/>
-                <a:cs typeface="Times New Roman" panose="02020603050405020304" pitchFamily="18" charset="0"/>
-              </a:rPr>
-              <a:t> </a:t>
-            </a:r>
-            <a:r>
-              <a:rPr lang="ru-RU" dirty="0" smtClean="0">
-                <a:latin typeface="Times New Roman" panose="02020603050405020304" pitchFamily="18" charset="0"/>
-                <a:cs typeface="Times New Roman" panose="02020603050405020304" pitchFamily="18" charset="0"/>
-              </a:rPr>
-              <a:t>для модульного тестирования</a:t>
-            </a:r>
-            <a:endParaRPr lang="en-US" dirty="0" smtClean="0">
-              <a:latin typeface="Times New Roman" panose="02020603050405020304" pitchFamily="18" charset="0"/>
-              <a:cs typeface="Times New Roman" panose="02020603050405020304" pitchFamily="18" charset="0"/>
-            </a:endParaRPr>
-          </a:p>
         </p:txBody>
       </p:sp>
     </p:spTree>
     <p:extLst>
       <p:ext uri="{BB962C8B-B14F-4D97-AF65-F5344CB8AC3E}">
-        <p14:creationId xmlns:p14="http://schemas.microsoft.com/office/powerpoint/2010/main" val="2870054573"/>
+        <p14:creationId xmlns:p14="http://schemas.microsoft.com/office/powerpoint/2010/main" val="392560280"/>
       </p:ext>
     </p:extLst>
   </p:cSld>
   <p:clrMapOvr>
     <a:masterClrMapping/>
   </p:clrMapOvr>
-  <p:timing>
-    <p:tnLst>
-      <p:par>
-        <p:cTn id="1" dur="indefinite" restart="never" nodeType="tmRoot"/>
-      </p:par>
-    </p:tnLst>
-  </p:timing>
 </p:sld>
 </file>
 
@@ -4679,129 +5025,256 @@
           <a:lstStyle/>
           <a:p>
             <a:r>
-              <a:rPr lang="ru-RU" dirty="0" smtClean="0"/>
-              <a:t>Плюсы </a:t>
-            </a:r>
-            <a:r>
-              <a:rPr lang="en-US" dirty="0" err="1" smtClean="0"/>
-              <a:t>NoSql</a:t>
-            </a:r>
-            <a:r>
-              <a:rPr lang="en-US" dirty="0" smtClean="0"/>
+              <a:rPr lang="ru-RU" dirty="0">
+                <a:latin typeface="Times New Roman" panose="02020603050405020304" pitchFamily="18" charset="0"/>
+                <a:cs typeface="Times New Roman" panose="02020603050405020304" pitchFamily="18" charset="0"/>
+              </a:rPr>
+              <a:t>Технологии</a:t>
+            </a:r>
+            <a:endParaRPr lang="en-US" dirty="0">
+              <a:latin typeface="Times New Roman" panose="02020603050405020304" pitchFamily="18" charset="0"/>
+              <a:cs typeface="Times New Roman" panose="02020603050405020304" pitchFamily="18" charset="0"/>
+            </a:endParaRPr>
+          </a:p>
+        </p:txBody>
+      </p:sp>
+      <p:sp>
+        <p:nvSpPr>
+          <p:cNvPr id="3" name="Объект 2"/>
+          <p:cNvSpPr>
+            <a:spLocks noGrp="1"/>
+          </p:cNvSpPr>
+          <p:nvPr>
+            <p:ph idx="1"/>
+          </p:nvPr>
+        </p:nvSpPr>
+        <p:spPr>
+          <a:xfrm>
+            <a:off x="838200" y="1800225"/>
+            <a:ext cx="10515600" cy="4351338"/>
+          </a:xfrm>
+        </p:spPr>
+        <p:txBody>
+          <a:bodyPr/>
+          <a:lstStyle/>
+          <a:p>
+            <a:pPr marL="0" indent="0">
+              <a:buNone/>
+            </a:pPr>
+            <a:r>
+              <a:rPr lang="en-US" dirty="0">
+                <a:latin typeface="Times New Roman" panose="02020603050405020304" pitchFamily="18" charset="0"/>
+                <a:cs typeface="Times New Roman" panose="02020603050405020304" pitchFamily="18" charset="0"/>
+              </a:rPr>
+              <a:t>Backend</a:t>
+            </a:r>
+          </a:p>
+          <a:p>
+            <a:r>
+              <a:rPr lang="en-US" dirty="0">
+                <a:latin typeface="Times New Roman" panose="02020603050405020304" pitchFamily="18" charset="0"/>
+                <a:cs typeface="Times New Roman" panose="02020603050405020304" pitchFamily="18" charset="0"/>
+              </a:rPr>
+              <a:t>Typescript – </a:t>
+            </a:r>
+            <a:r>
+              <a:rPr lang="ru-RU" dirty="0">
+                <a:latin typeface="Times New Roman" panose="02020603050405020304" pitchFamily="18" charset="0"/>
+                <a:cs typeface="Times New Roman" panose="02020603050405020304" pitchFamily="18" charset="0"/>
+              </a:rPr>
+              <a:t>типизированный </a:t>
+            </a:r>
+            <a:r>
+              <a:rPr lang="en-US" dirty="0" err="1">
+                <a:latin typeface="Times New Roman" panose="02020603050405020304" pitchFamily="18" charset="0"/>
+                <a:cs typeface="Times New Roman" panose="02020603050405020304" pitchFamily="18" charset="0"/>
+              </a:rPr>
+              <a:t>Javascript</a:t>
+            </a:r>
+            <a:endParaRPr lang="en-US" dirty="0">
+              <a:latin typeface="Times New Roman" panose="02020603050405020304" pitchFamily="18" charset="0"/>
+              <a:cs typeface="Times New Roman" panose="02020603050405020304" pitchFamily="18" charset="0"/>
+            </a:endParaRPr>
+          </a:p>
+          <a:p>
+            <a:r>
+              <a:rPr lang="en-US" dirty="0">
+                <a:latin typeface="Times New Roman" panose="02020603050405020304" pitchFamily="18" charset="0"/>
+                <a:cs typeface="Times New Roman" panose="02020603050405020304" pitchFamily="18" charset="0"/>
+              </a:rPr>
+              <a:t>Express – </a:t>
+            </a:r>
+            <a:r>
+              <a:rPr lang="ru-RU" dirty="0">
+                <a:latin typeface="Times New Roman" panose="02020603050405020304" pitchFamily="18" charset="0"/>
+                <a:cs typeface="Times New Roman" panose="02020603050405020304" pitchFamily="18" charset="0"/>
+              </a:rPr>
+              <a:t>библиотека для создания путей запроса</a:t>
+            </a:r>
+            <a:endParaRPr lang="en-US" dirty="0">
+              <a:latin typeface="Times New Roman" panose="02020603050405020304" pitchFamily="18" charset="0"/>
+              <a:cs typeface="Times New Roman" panose="02020603050405020304" pitchFamily="18" charset="0"/>
+            </a:endParaRPr>
+          </a:p>
+          <a:p>
+            <a:r>
+              <a:rPr lang="en-US" dirty="0">
+                <a:latin typeface="Times New Roman" panose="02020603050405020304" pitchFamily="18" charset="0"/>
+                <a:cs typeface="Times New Roman" panose="02020603050405020304" pitchFamily="18" charset="0"/>
+              </a:rPr>
+              <a:t>Mongoose – </a:t>
+            </a:r>
+            <a:r>
+              <a:rPr lang="ru-RU" dirty="0">
+                <a:latin typeface="Times New Roman" panose="02020603050405020304" pitchFamily="18" charset="0"/>
+                <a:cs typeface="Times New Roman" panose="02020603050405020304" pitchFamily="18" charset="0"/>
+              </a:rPr>
+              <a:t>провайдер для базы данных </a:t>
+            </a:r>
+            <a:r>
+              <a:rPr lang="en-US" dirty="0" err="1">
+                <a:latin typeface="Times New Roman" panose="02020603050405020304" pitchFamily="18" charset="0"/>
+                <a:cs typeface="Times New Roman" panose="02020603050405020304" pitchFamily="18" charset="0"/>
+              </a:rPr>
+              <a:t>MongoDb</a:t>
+            </a:r>
+            <a:endParaRPr lang="en-US" dirty="0">
+              <a:latin typeface="Times New Roman" panose="02020603050405020304" pitchFamily="18" charset="0"/>
+              <a:cs typeface="Times New Roman" panose="02020603050405020304" pitchFamily="18" charset="0"/>
+            </a:endParaRPr>
+          </a:p>
+          <a:p>
+            <a:r>
+              <a:rPr lang="ru-RU" dirty="0">
+                <a:latin typeface="Times New Roman" panose="02020603050405020304" pitchFamily="18" charset="0"/>
+                <a:cs typeface="Times New Roman" panose="02020603050405020304" pitchFamily="18" charset="0"/>
+              </a:rPr>
+              <a:t>Е</a:t>
+            </a:r>
+            <a:r>
+              <a:rPr lang="en-US" dirty="0" err="1">
+                <a:latin typeface="Times New Roman" panose="02020603050405020304" pitchFamily="18" charset="0"/>
+                <a:cs typeface="Times New Roman" panose="02020603050405020304" pitchFamily="18" charset="0"/>
+              </a:rPr>
+              <a:t>xpress</a:t>
+            </a:r>
+            <a:r>
+              <a:rPr lang="en-US" dirty="0">
+                <a:latin typeface="Times New Roman" panose="02020603050405020304" pitchFamily="18" charset="0"/>
+                <a:cs typeface="Times New Roman" panose="02020603050405020304" pitchFamily="18" charset="0"/>
+              </a:rPr>
+              <a:t>-validator</a:t>
+            </a:r>
+            <a:r>
+              <a:rPr lang="ru-RU" dirty="0">
+                <a:latin typeface="Times New Roman" panose="02020603050405020304" pitchFamily="18" charset="0"/>
+                <a:cs typeface="Times New Roman" panose="02020603050405020304" pitchFamily="18" charset="0"/>
+              </a:rPr>
+              <a:t> – библиотека для </a:t>
+            </a:r>
+            <a:r>
+              <a:rPr lang="ru-RU" dirty="0" err="1">
+                <a:latin typeface="Times New Roman" panose="02020603050405020304" pitchFamily="18" charset="0"/>
+                <a:cs typeface="Times New Roman" panose="02020603050405020304" pitchFamily="18" charset="0"/>
+              </a:rPr>
+              <a:t>валидации</a:t>
+            </a:r>
+            <a:r>
+              <a:rPr lang="ru-RU" dirty="0">
+                <a:latin typeface="Times New Roman" panose="02020603050405020304" pitchFamily="18" charset="0"/>
+                <a:cs typeface="Times New Roman" panose="02020603050405020304" pitchFamily="18" charset="0"/>
+              </a:rPr>
+              <a:t> данных на сервере</a:t>
+            </a:r>
+          </a:p>
+          <a:p>
+            <a:r>
+              <a:rPr lang="en-US" dirty="0" err="1">
+                <a:latin typeface="Times New Roman" panose="02020603050405020304" pitchFamily="18" charset="0"/>
+                <a:cs typeface="Times New Roman" panose="02020603050405020304" pitchFamily="18" charset="0"/>
+              </a:rPr>
+              <a:t>Websocket</a:t>
+            </a:r>
+            <a:r>
+              <a:rPr lang="en-US" dirty="0">
+                <a:latin typeface="Times New Roman" panose="02020603050405020304" pitchFamily="18" charset="0"/>
+                <a:cs typeface="Times New Roman" panose="02020603050405020304" pitchFamily="18" charset="0"/>
+              </a:rPr>
+              <a:t> – </a:t>
+            </a:r>
+            <a:r>
+              <a:rPr lang="ru-RU" dirty="0">
+                <a:latin typeface="Times New Roman" panose="02020603050405020304" pitchFamily="18" charset="0"/>
+                <a:cs typeface="Times New Roman" panose="02020603050405020304" pitchFamily="18" charset="0"/>
+              </a:rPr>
+              <a:t>для долгосрочного подключения пользователей</a:t>
+            </a:r>
+          </a:p>
+          <a:p>
+            <a:pPr marL="0" indent="0">
+              <a:buNone/>
+            </a:pPr>
+            <a:r>
+              <a:rPr lang="ru-RU" dirty="0">
+                <a:latin typeface="Times New Roman" panose="02020603050405020304" pitchFamily="18" charset="0"/>
+                <a:cs typeface="Times New Roman" panose="02020603050405020304" pitchFamily="18" charset="0"/>
+              </a:rPr>
+              <a:t>Тестирование</a:t>
+            </a:r>
+          </a:p>
+          <a:p>
+            <a:r>
+              <a:rPr lang="en-US" dirty="0">
+                <a:latin typeface="Times New Roman" panose="02020603050405020304" pitchFamily="18" charset="0"/>
+                <a:cs typeface="Times New Roman" panose="02020603050405020304" pitchFamily="18" charset="0"/>
+              </a:rPr>
+              <a:t>Jest – </a:t>
+            </a:r>
+            <a:r>
+              <a:rPr lang="ru-RU" dirty="0">
+                <a:latin typeface="Times New Roman" panose="02020603050405020304" pitchFamily="18" charset="0"/>
+                <a:cs typeface="Times New Roman" panose="02020603050405020304" pitchFamily="18" charset="0"/>
+              </a:rPr>
+              <a:t>библиотека на </a:t>
+            </a:r>
+            <a:r>
+              <a:rPr lang="en-US" dirty="0" err="1">
+                <a:latin typeface="Times New Roman" panose="02020603050405020304" pitchFamily="18" charset="0"/>
+                <a:cs typeface="Times New Roman" panose="02020603050405020304" pitchFamily="18" charset="0"/>
+              </a:rPr>
+              <a:t>javascript</a:t>
+            </a:r>
+            <a:r>
+              <a:rPr lang="en-US" dirty="0">
+                <a:latin typeface="Times New Roman" panose="02020603050405020304" pitchFamily="18" charset="0"/>
+                <a:cs typeface="Times New Roman" panose="02020603050405020304" pitchFamily="18" charset="0"/>
+              </a:rPr>
               <a:t> </a:t>
             </a:r>
             <a:r>
-              <a:rPr lang="ru-RU" dirty="0" smtClean="0"/>
-              <a:t>баз данных</a:t>
-            </a:r>
-            <a:endParaRPr lang="en-US" dirty="0"/>
-          </a:p>
-        </p:txBody>
-      </p:sp>
-      <p:sp>
-        <p:nvSpPr>
-          <p:cNvPr id="3" name="Объект 2"/>
-          <p:cNvSpPr>
-            <a:spLocks noGrp="1"/>
-          </p:cNvSpPr>
-          <p:nvPr>
-            <p:ph idx="1"/>
-          </p:nvPr>
-        </p:nvSpPr>
-        <p:spPr/>
-        <p:txBody>
-          <a:bodyPr/>
-          <a:lstStyle/>
-          <a:p>
-            <a:r>
-              <a:rPr lang="ru-RU" b="1" dirty="0"/>
-              <a:t>Гибкость</a:t>
-            </a:r>
-          </a:p>
-          <a:p>
-            <a:r>
-              <a:rPr lang="ru-RU" b="1" dirty="0"/>
-              <a:t>Масштабируемость</a:t>
-            </a:r>
-          </a:p>
-          <a:p>
-            <a:r>
-              <a:rPr lang="ru-RU" b="1" dirty="0"/>
-              <a:t>Высокая производительность</a:t>
-            </a:r>
-          </a:p>
-          <a:p>
-            <a:r>
-              <a:rPr lang="ru-RU" b="1" dirty="0"/>
-              <a:t>Доступность</a:t>
-            </a:r>
-          </a:p>
-          <a:p>
-            <a:r>
-              <a:rPr lang="ru-RU" b="1" dirty="0"/>
-              <a:t>Высокая </a:t>
-            </a:r>
-            <a:r>
-              <a:rPr lang="ru-RU" b="1" dirty="0" smtClean="0"/>
-              <a:t>функциональность</a:t>
-            </a:r>
-          </a:p>
-          <a:p>
-            <a:r>
-              <a:rPr lang="ru-RU" b="1" dirty="0" smtClean="0"/>
-              <a:t>Нет жесткой привязки к структуре данных</a:t>
-            </a:r>
-          </a:p>
-          <a:p>
-            <a:r>
-              <a:rPr lang="ru-RU" b="1" dirty="0" smtClean="0"/>
-              <a:t>Простая поддержка</a:t>
-            </a:r>
-          </a:p>
-          <a:p>
-            <a:r>
-              <a:rPr lang="ru-RU" b="1" dirty="0" smtClean="0"/>
-              <a:t>Не требовательная к знания</a:t>
-            </a:r>
-            <a:r>
-              <a:rPr lang="ru-RU" b="1" dirty="0"/>
-              <a:t>м</a:t>
-            </a:r>
-            <a:r>
-              <a:rPr lang="ru-RU" b="1" dirty="0" smtClean="0"/>
-              <a:t> </a:t>
-            </a:r>
-            <a:r>
-              <a:rPr lang="en-US" b="1" dirty="0" smtClean="0"/>
-              <a:t>SQL</a:t>
-            </a:r>
-            <a:endParaRPr lang="ru-RU" b="1" dirty="0"/>
-          </a:p>
-          <a:p>
-            <a:pPr marL="0" indent="0">
-              <a:buNone/>
-            </a:pPr>
-            <a:endParaRPr lang="en-US" dirty="0"/>
+              <a:rPr lang="ru-RU" dirty="0">
+                <a:latin typeface="Times New Roman" panose="02020603050405020304" pitchFamily="18" charset="0"/>
+                <a:cs typeface="Times New Roman" panose="02020603050405020304" pitchFamily="18" charset="0"/>
+              </a:rPr>
+              <a:t>для модульного тестирования</a:t>
+            </a:r>
+            <a:endParaRPr lang="en-US" dirty="0">
+              <a:latin typeface="Times New Roman" panose="02020603050405020304" pitchFamily="18" charset="0"/>
+              <a:cs typeface="Times New Roman" panose="02020603050405020304" pitchFamily="18" charset="0"/>
+            </a:endParaRPr>
           </a:p>
         </p:txBody>
       </p:sp>
     </p:spTree>
     <p:extLst>
       <p:ext uri="{BB962C8B-B14F-4D97-AF65-F5344CB8AC3E}">
-        <p14:creationId xmlns:p14="http://schemas.microsoft.com/office/powerpoint/2010/main" val="299245100"/>
+        <p14:creationId xmlns:p14="http://schemas.microsoft.com/office/powerpoint/2010/main" val="2870054573"/>
       </p:ext>
     </p:extLst>
   </p:cSld>
   <p:clrMapOvr>
     <a:masterClrMapping/>
   </p:clrMapOvr>
-  <p:timing>
-    <p:tnLst>
-      <p:par>
-        <p:cTn id="1" dur="indefinite" restart="never" nodeType="tmRoot"/>
-      </p:par>
-    </p:tnLst>
-  </p:timing>
 </p:sld>
 </file>
 
@@ -4838,7 +5311,7 @@
           <a:lstStyle/>
           <a:p>
             <a:r>
-              <a:rPr lang="ru-RU" dirty="0" smtClean="0">
+              <a:rPr lang="ru-RU" dirty="0">
                 <a:latin typeface="Times New Roman" panose="02020603050405020304" pitchFamily="18" charset="0"/>
                 <a:cs typeface="Times New Roman" panose="02020603050405020304" pitchFamily="18" charset="0"/>
               </a:rPr>
@@ -4885,13 +5358,6 @@
   <p:clrMapOvr>
     <a:masterClrMapping/>
   </p:clrMapOvr>
-  <p:timing>
-    <p:tnLst>
-      <p:par>
-        <p:cTn id="1" dur="indefinite" restart="never" nodeType="tmRoot"/>
-      </p:par>
-    </p:tnLst>
-  </p:timing>
 </p:sld>
 </file>
 
@@ -4914,6 +5380,120 @@
       </p:grpSpPr>
       <p:sp>
         <p:nvSpPr>
+          <p:cNvPr id="2" name="Заголовок 1">
+            <a:extLst>
+              <a:ext uri="{FF2B5EF4-FFF2-40B4-BE49-F238E27FC236}">
+                <a16:creationId xmlns:a16="http://schemas.microsoft.com/office/drawing/2014/main" id="{41A42E9B-D4B4-442B-A5B1-0493C305BD3E}"/>
+              </a:ext>
+            </a:extLst>
+          </p:cNvPr>
+          <p:cNvSpPr>
+            <a:spLocks noGrp="1"/>
+          </p:cNvSpPr>
+          <p:nvPr>
+            <p:ph type="title"/>
+          </p:nvPr>
+        </p:nvSpPr>
+        <p:spPr>
+          <a:xfrm>
+            <a:off x="838200" y="365125"/>
+            <a:ext cx="2963091" cy="2221321"/>
+          </a:xfrm>
+        </p:spPr>
+        <p:txBody>
+          <a:bodyPr>
+            <a:normAutofit fontScale="90000"/>
+          </a:bodyPr>
+          <a:lstStyle/>
+          <a:p>
+            <a:r>
+              <a:rPr lang="ru-RU" dirty="0"/>
+              <a:t>Диаграмма </a:t>
+            </a:r>
+            <a:br>
+              <a:rPr lang="ru-RU" dirty="0"/>
+            </a:br>
+            <a:r>
+              <a:rPr lang="ru-RU" dirty="0"/>
+              <a:t>прецендентов </a:t>
+            </a:r>
+            <a:br>
+              <a:rPr lang="ru-RU" dirty="0"/>
+            </a:br>
+            <a:r>
+              <a:rPr lang="ru-RU" dirty="0"/>
+              <a:t>и актеров</a:t>
+            </a:r>
+            <a:endParaRPr lang="ru-BY" dirty="0"/>
+          </a:p>
+        </p:txBody>
+      </p:sp>
+      <p:pic>
+        <p:nvPicPr>
+          <p:cNvPr id="4" name="Рисунок 3">
+            <a:extLst>
+              <a:ext uri="{FF2B5EF4-FFF2-40B4-BE49-F238E27FC236}">
+                <a16:creationId xmlns:a16="http://schemas.microsoft.com/office/drawing/2014/main" id="{D63A68C3-094C-4447-A9B9-B4C044814B31}"/>
+              </a:ext>
+            </a:extLst>
+          </p:cNvPr>
+          <p:cNvPicPr/>
+          <p:nvPr/>
+        </p:nvPicPr>
+        <p:blipFill>
+          <a:blip r:embed="rId2" cstate="print">
+            <a:extLst>
+              <a:ext uri="{28A0092B-C50C-407E-A947-70E740481C1C}">
+                <a14:useLocalDpi xmlns:a14="http://schemas.microsoft.com/office/drawing/2010/main" val="0"/>
+              </a:ext>
+            </a:extLst>
+          </a:blip>
+          <a:stretch>
+            <a:fillRect/>
+          </a:stretch>
+        </p:blipFill>
+        <p:spPr>
+          <a:xfrm>
+            <a:off x="4415246" y="365125"/>
+            <a:ext cx="7170193" cy="6349184"/>
+          </a:xfrm>
+          <a:prstGeom prst="rect">
+            <a:avLst/>
+          </a:prstGeom>
+        </p:spPr>
+      </p:pic>
+    </p:spTree>
+    <p:extLst>
+      <p:ext uri="{BB962C8B-B14F-4D97-AF65-F5344CB8AC3E}">
+        <p14:creationId xmlns:p14="http://schemas.microsoft.com/office/powerpoint/2010/main" val="54818751"/>
+      </p:ext>
+    </p:extLst>
+  </p:cSld>
+  <p:clrMapOvr>
+    <a:masterClrMapping/>
+  </p:clrMapOvr>
+</p:sld>
+</file>
+
+<file path=ppt/slides/slide9.xml><?xml version="1.0" encoding="utf-8"?>
+<p:sld xmlns:a="http://schemas.openxmlformats.org/drawingml/2006/main" xmlns:r="http://schemas.openxmlformats.org/officeDocument/2006/relationships" xmlns:p="http://schemas.openxmlformats.org/presentationml/2006/main">
+  <p:cSld>
+    <p:spTree>
+      <p:nvGrpSpPr>
+        <p:cNvPr id="1" name=""/>
+        <p:cNvGrpSpPr/>
+        <p:nvPr/>
+      </p:nvGrpSpPr>
+      <p:grpSpPr>
+        <a:xfrm>
+          <a:off x="0" y="0"/>
+          <a:ext cx="0" cy="0"/>
+          <a:chOff x="0" y="0"/>
+          <a:chExt cx="0" cy="0"/>
+        </a:xfrm>
+      </p:grpSpPr>
+      <p:sp>
+        <p:nvSpPr>
           <p:cNvPr id="2" name="Заголовок 1"/>
           <p:cNvSpPr>
             <a:spLocks noGrp="1"/>
@@ -4928,21 +5508,21 @@
           <a:lstStyle/>
           <a:p>
             <a:r>
-              <a:rPr lang="ru-RU" dirty="0" smtClean="0">
+              <a:rPr lang="ru-RU" dirty="0">
                 <a:latin typeface="Times New Roman" panose="02020603050405020304" pitchFamily="18" charset="0"/>
                 <a:cs typeface="Times New Roman" panose="02020603050405020304" pitchFamily="18" charset="0"/>
               </a:rPr>
               <a:t>Прецеденты</a:t>
             </a:r>
             <a:r>
-              <a:rPr lang="en-US" dirty="0" smtClean="0">
+              <a:rPr lang="en-US" dirty="0">
                 <a:latin typeface="Times New Roman" panose="02020603050405020304" pitchFamily="18" charset="0"/>
                 <a:cs typeface="Times New Roman" panose="02020603050405020304" pitchFamily="18" charset="0"/>
               </a:rPr>
               <a:t> </a:t>
             </a:r>
             <a:r>
-              <a:rPr lang="ru-RU" dirty="0" smtClean="0">
+              <a:rPr lang="ru-RU" dirty="0">
                 <a:latin typeface="Times New Roman" panose="02020603050405020304" pitchFamily="18" charset="0"/>
                 <a:cs typeface="Times New Roman" panose="02020603050405020304" pitchFamily="18" charset="0"/>
               </a:rPr>
@@ -4989,124 +5569,6 @@
   <p:clrMapOvr>
     <a:masterClrMapping/>
   </p:clrMapOvr>
-  <p:timing>
-    <p:tnLst>
-      <p:par>
-        <p:cTn id="1" dur="indefinite" restart="never" nodeType="tmRoot"/>
-      </p:par>
-    </p:tnLst>
-  </p:timing>
-</p:sld>
-</file>
-
-<file path=ppt/slides/slide9.xml><?xml version="1.0" encoding="utf-8"?>
-<p:sld xmlns:a="http://schemas.openxmlformats.org/drawingml/2006/main" xmlns:r="http://schemas.openxmlformats.org/officeDocument/2006/relationships" xmlns:p="http://schemas.openxmlformats.org/presentationml/2006/main">
-  <p:cSld>
-    <p:spTree>
-      <p:nvGrpSpPr>
-        <p:cNvPr id="1" name=""/>
-        <p:cNvGrpSpPr/>
-        <p:nvPr/>
-      </p:nvGrpSpPr>
-      <p:grpSpPr>
-        <a:xfrm>
-          <a:off x="0" y="0"/>
-          <a:ext cx="0" cy="0"/>
-          <a:chOff x="0" y="0"/>
-          <a:chExt cx="0" cy="0"/>
-        </a:xfrm>
-      </p:grpSpPr>
-      <p:sp>
-        <p:nvSpPr>
-          <p:cNvPr id="2" name="Заголовок 1"/>
-          <p:cNvSpPr>
-            <a:spLocks noGrp="1"/>
-          </p:cNvSpPr>
-          <p:nvPr>
-            <p:ph type="title"/>
-          </p:nvPr>
-        </p:nvSpPr>
-        <p:spPr/>
-        <p:txBody>
-          <a:bodyPr/>
-          <a:lstStyle/>
-          <a:p>
-            <a:r>
-              <a:rPr lang="ru-RU" dirty="0">
-                <a:latin typeface="Times New Roman" panose="02020603050405020304" pitchFamily="18" charset="0"/>
-                <a:cs typeface="Times New Roman" panose="02020603050405020304" pitchFamily="18" charset="0"/>
-              </a:rPr>
-              <a:t>Прецеденты</a:t>
-            </a:r>
-            <a:r>
-              <a:rPr lang="en-US" dirty="0">
-                <a:latin typeface="Times New Roman" panose="02020603050405020304" pitchFamily="18" charset="0"/>
-                <a:cs typeface="Times New Roman" panose="02020603050405020304" pitchFamily="18" charset="0"/>
-              </a:rPr>
-              <a:t> </a:t>
-            </a:r>
-            <a:r>
-              <a:rPr lang="ru-RU" dirty="0">
-                <a:latin typeface="Times New Roman" panose="02020603050405020304" pitchFamily="18" charset="0"/>
-                <a:cs typeface="Times New Roman" panose="02020603050405020304" pitchFamily="18" charset="0"/>
-              </a:rPr>
-              <a:t>для роли </a:t>
-            </a:r>
-            <a:r>
-              <a:rPr lang="ru-RU" dirty="0" smtClean="0">
-                <a:latin typeface="Times New Roman" panose="02020603050405020304" pitchFamily="18" charset="0"/>
-                <a:cs typeface="Times New Roman" panose="02020603050405020304" pitchFamily="18" charset="0"/>
-              </a:rPr>
-              <a:t>«Воспитатель»</a:t>
-            </a:r>
-            <a:endParaRPr lang="en-US" dirty="0">
-              <a:latin typeface="Times New Roman" panose="02020603050405020304" pitchFamily="18" charset="0"/>
-              <a:cs typeface="Times New Roman" panose="02020603050405020304" pitchFamily="18" charset="0"/>
-            </a:endParaRPr>
-          </a:p>
-        </p:txBody>
-      </p:sp>
-      <p:pic>
-        <p:nvPicPr>
-          <p:cNvPr id="4" name="Рисунок 3"/>
-          <p:cNvPicPr>
-            <a:picLocks noChangeAspect="1"/>
-          </p:cNvPicPr>
-          <p:nvPr/>
-        </p:nvPicPr>
-        <p:blipFill>
-          <a:blip r:embed="rId2"/>
-          <a:stretch>
-            <a:fillRect/>
-          </a:stretch>
-        </p:blipFill>
-        <p:spPr>
-          <a:xfrm>
-            <a:off x="2169902" y="1514202"/>
-            <a:ext cx="7311049" cy="4962798"/>
-          </a:xfrm>
-          <a:prstGeom prst="rect">
-            <a:avLst/>
-          </a:prstGeom>
-        </p:spPr>
-      </p:pic>
-    </p:spTree>
-    <p:extLst>
-      <p:ext uri="{BB962C8B-B14F-4D97-AF65-F5344CB8AC3E}">
-        <p14:creationId xmlns:p14="http://schemas.microsoft.com/office/powerpoint/2010/main" val="700771984"/>
-      </p:ext>
-    </p:extLst>
-  </p:cSld>
-  <p:clrMapOvr>
-    <a:masterClrMapping/>
-  </p:clrMapOvr>
-  <p:timing>
-    <p:tnLst>
-      <p:par>
-        <p:cTn id="1" dur="indefinite" restart="never" nodeType="tmRoot"/>
-      </p:par>
-    </p:tnLst>
-  </p:timing>
 </p:sld>
 </file>
 
